--- a/WORD/luanvan_nhanhnt_ver8.pptx
+++ b/WORD/luanvan_nhanhnt_ver8.pptx
@@ -235,7 +235,7 @@
           <a:p>
             <a:fld id="{CA3BC56F-4620-49B9-A5A5-EC9358827620}" type="datetimeFigureOut">
               <a:rPr lang="en-US" smtClean="0"/>
-              <a:t>19/4/2016</a:t>
+              <a:t>20/4/2016</a:t>
             </a:fld>
             <a:endParaRPr lang="en-US"/>
           </a:p>
@@ -2295,7 +2295,7 @@
           <a:p>
             <a:fld id="{C53D5415-BEED-41C8-9341-492C4CB8B6BD}" type="datetime1">
               <a:rPr lang="en-US" smtClean="0"/>
-              <a:t>19/4/2016</a:t>
+              <a:t>20/4/2016</a:t>
             </a:fld>
             <a:endParaRPr lang="en-US"/>
           </a:p>
@@ -4193,7 +4193,7 @@
           <a:p>
             <a:pPr algn="ctr"/>
             <a:r>
-              <a:rPr lang="en-US" sz="2000" dirty="0">
+              <a:rPr lang="en-US" sz="2000" dirty="0" smtClean="0">
                 <a:solidFill>
                   <a:schemeClr val="accent5">
                     <a:lumMod val="50000"/>
@@ -4202,13 +4202,10 @@
                 <a:latin typeface="Times New Roman" panose="02020603050405020304" pitchFamily="18" charset="0"/>
                 <a:cs typeface="Times New Roman" panose="02020603050405020304" pitchFamily="18" charset="0"/>
               </a:rPr>
-              <a:t>CHUYÊN NGÀNH: KHOA HỌC MÁY TÍNH</a:t>
-            </a:r>
-          </a:p>
-          <a:p>
-            <a:pPr algn="ctr"/>
-            <a:r>
-              <a:rPr lang="en-US" sz="2000" dirty="0">
+              <a:t>   CHUYÊN NGÀNH</a:t>
+            </a:r>
+            <a:r>
+              <a:rPr lang="en-US" sz="2000" baseline="0" dirty="0" smtClean="0">
                 <a:solidFill>
                   <a:schemeClr val="accent5">
                     <a:lumMod val="50000"/>
@@ -4217,7 +4214,58 @@
                 <a:latin typeface="Times New Roman" panose="02020603050405020304" pitchFamily="18" charset="0"/>
                 <a:cs typeface="Times New Roman" panose="02020603050405020304" pitchFamily="18" charset="0"/>
               </a:rPr>
-              <a:t>MÃ SỐ: </a:t>
+              <a:t> </a:t>
+            </a:r>
+            <a:r>
+              <a:rPr lang="en-US" sz="2000" dirty="0" smtClean="0">
+                <a:solidFill>
+                  <a:schemeClr val="accent5">
+                    <a:lumMod val="50000"/>
+                  </a:schemeClr>
+                </a:solidFill>
+                <a:latin typeface="Times New Roman" panose="02020603050405020304" pitchFamily="18" charset="0"/>
+                <a:cs typeface="Times New Roman" panose="02020603050405020304" pitchFamily="18" charset="0"/>
+              </a:rPr>
+              <a:t>: KHOA </a:t>
+            </a:r>
+            <a:r>
+              <a:rPr lang="en-US" sz="2000" dirty="0">
+                <a:solidFill>
+                  <a:schemeClr val="accent5">
+                    <a:lumMod val="50000"/>
+                  </a:schemeClr>
+                </a:solidFill>
+                <a:latin typeface="Times New Roman" panose="02020603050405020304" pitchFamily="18" charset="0"/>
+                <a:cs typeface="Times New Roman" panose="02020603050405020304" pitchFamily="18" charset="0"/>
+              </a:rPr>
+              <a:t>HỌC MÁY TÍNH</a:t>
+            </a:r>
+          </a:p>
+          <a:p>
+            <a:pPr algn="ctr"/>
+            <a:r>
+              <a:rPr lang="en-US" sz="2000" dirty="0">
+                <a:solidFill>
+                  <a:schemeClr val="accent5">
+                    <a:lumMod val="50000"/>
+                  </a:schemeClr>
+                </a:solidFill>
+                <a:latin typeface="Times New Roman" panose="02020603050405020304" pitchFamily="18" charset="0"/>
+                <a:cs typeface="Times New Roman" panose="02020603050405020304" pitchFamily="18" charset="0"/>
+              </a:rPr>
+              <a:t>MÃ </a:t>
+            </a:r>
+            <a:r>
+              <a:rPr lang="en-US" sz="2000" dirty="0" smtClean="0">
+                <a:solidFill>
+                  <a:schemeClr val="accent5">
+                    <a:lumMod val="50000"/>
+                  </a:schemeClr>
+                </a:solidFill>
+                <a:latin typeface="Times New Roman" panose="02020603050405020304" pitchFamily="18" charset="0"/>
+                <a:cs typeface="Times New Roman" panose="02020603050405020304" pitchFamily="18" charset="0"/>
+              </a:rPr>
+              <a:t>SỐ : </a:t>
             </a:r>
             <a:r>
               <a:rPr lang="en-US" sz="2000" dirty="0" smtClean="0">
@@ -11453,22 +11501,50 @@
             </a:pPr>
             <a:r>
               <a:rPr lang="en-US" sz="2400" dirty="0"/>
-              <a:t>Services Bus cung cấp các điểm mở rộng cho các nhà phát triển để xuất các lớp Java tiêu chuẩn của họ như các dịch vụ </a:t>
+              <a:t>Services Bus cung cấp các điểm mở </a:t>
             </a:r>
             <a:r>
               <a:rPr lang="en-US" sz="2400" dirty="0" smtClean="0"/>
-              <a:t>web.</a:t>
-            </a:r>
-          </a:p>
-          <a:p>
-            <a:pPr lvl="2">
+              <a:t>rộng để</a:t>
+            </a:r>
+          </a:p>
+          <a:p>
+            <a:pPr marL="460375" lvl="2" indent="411163">
               <a:lnSpc>
                 <a:spcPct val="200000"/>
               </a:lnSpc>
+              <a:buFont typeface="Arial" pitchFamily="34" charset="0"/>
+              <a:buChar char="•"/>
             </a:pPr>
             <a:r>
+              <a:rPr lang="en-US" sz="2400" dirty="0" smtClean="0"/>
+              <a:t>Các </a:t>
+            </a:r>
+            <a:r>
               <a:rPr lang="en-US" sz="2400" dirty="0"/>
-              <a:t>Khi khởi chạy ứng dụng, services bus sẽ tải tất cả các dịch vụ đã được kết nối với nhau và tự động triển khai chúng bằng cách sử dụng máy chủ nhúng Jetty và Apache AXIS</a:t>
+              <a:t>nhà phát triển để xuất các lớp Java tiêu chuẩn của họ như các </a:t>
+            </a:r>
+            <a:r>
+              <a:rPr lang="en-US" sz="2400" dirty="0" smtClean="0"/>
+              <a:t>Web Services</a:t>
+            </a:r>
+            <a:r>
+              <a:rPr lang="en-US" sz="2400" dirty="0" smtClean="0"/>
+              <a:t>.</a:t>
+            </a:r>
+            <a:endParaRPr lang="en-US" sz="2400" dirty="0" smtClean="0"/>
+          </a:p>
+          <a:p>
+            <a:pPr marL="460375" lvl="2" indent="411163">
+              <a:lnSpc>
+                <a:spcPct val="200000"/>
+              </a:lnSpc>
+              <a:buFont typeface="Arial" pitchFamily="34" charset="0"/>
+              <a:buChar char="•"/>
+            </a:pPr>
+            <a:r>
+              <a:rPr lang="en-US" sz="2400" dirty="0" smtClean="0"/>
+              <a:t>Sử dụng tiêu chuẩn WSDD và WSDL để cấu hình dịch vụ.</a:t>
             </a:r>
             <a:endParaRPr lang="en-US" dirty="0"/>
           </a:p>
@@ -12742,7 +12818,27 @@
                 <a:latin typeface="Times New Roman" pitchFamily="18" charset="0"/>
                 <a:cs typeface="Times New Roman" pitchFamily="18" charset="0"/>
               </a:rPr>
-              <a:t>         &lt;attribute name="returns" use="</a:t>
+              <a:t>         &lt;attribute name="</a:t>
+            </a:r>
+            <a:r>
+              <a:rPr lang="en-GB" b="1" dirty="0">
+                <a:solidFill>
+                  <a:schemeClr val="accent6"/>
+                </a:solidFill>
+                <a:latin typeface="Times New Roman" pitchFamily="18" charset="0"/>
+                <a:cs typeface="Times New Roman" pitchFamily="18" charset="0"/>
+              </a:rPr>
+              <a:t>returns</a:t>
+            </a:r>
+            <a:r>
+              <a:rPr lang="en-GB" dirty="0">
+                <a:solidFill>
+                  <a:schemeClr val="tx1"/>
+                </a:solidFill>
+                <a:latin typeface="Times New Roman" pitchFamily="18" charset="0"/>
+                <a:cs typeface="Times New Roman" pitchFamily="18" charset="0"/>
+              </a:rPr>
+              <a:t>" use="</a:t>
             </a:r>
             <a:r>
               <a:rPr lang="en-GB" b="1" dirty="0">
@@ -12939,6 +13035,52 @@
       <p:sp>
         <p:nvSpPr>
           <p:cNvPr id="13" name="Oval 12"/>
+          <p:cNvSpPr/>
+          <p:nvPr/>
+        </p:nvSpPr>
+        <p:spPr>
+          <a:xfrm>
+            <a:off x="4267200" y="4419600"/>
+            <a:ext cx="1676400" cy="457200"/>
+          </a:xfrm>
+          <a:prstGeom prst="ellipse">
+            <a:avLst/>
+          </a:prstGeom>
+          <a:noFill/>
+          <a:ln>
+            <a:solidFill>
+              <a:srgbClr val="FF0000"/>
+            </a:solidFill>
+          </a:ln>
+        </p:spPr>
+        <p:style>
+          <a:lnRef idx="2">
+            <a:schemeClr val="accent1">
+              <a:shade val="50000"/>
+            </a:schemeClr>
+          </a:lnRef>
+          <a:fillRef idx="1">
+            <a:schemeClr val="accent1"/>
+          </a:fillRef>
+          <a:effectRef idx="0">
+            <a:schemeClr val="accent1"/>
+          </a:effectRef>
+          <a:fontRef idx="minor">
+            <a:schemeClr val="lt1"/>
+          </a:fontRef>
+        </p:style>
+        <p:txBody>
+          <a:bodyPr rtlCol="0" anchor="ctr"/>
+          <a:lstStyle/>
+          <a:p>
+            <a:pPr algn="ctr"/>
+            <a:endParaRPr lang="en-US"/>
+          </a:p>
+        </p:txBody>
+      </p:sp>
+      <p:sp>
+        <p:nvSpPr>
+          <p:cNvPr id="8" name="Oval 7"/>
           <p:cNvSpPr/>
           <p:nvPr/>
         </p:nvSpPr>
@@ -13183,6 +13325,51 @@
                       </p:childTnLst>
                     </p:cTn>
                   </p:par>
+                  <p:par>
+                    <p:cTn id="19" fill="hold">
+                      <p:stCondLst>
+                        <p:cond delay="indefinite"/>
+                      </p:stCondLst>
+                      <p:childTnLst>
+                        <p:par>
+                          <p:cTn id="20" fill="hold">
+                            <p:stCondLst>
+                              <p:cond delay="0"/>
+                            </p:stCondLst>
+                            <p:childTnLst>
+                              <p:par>
+                                <p:cTn id="21" presetID="1" presetClass="entr" presetSubtype="0" fill="hold" grpId="0" nodeType="clickEffect">
+                                  <p:stCondLst>
+                                    <p:cond delay="0"/>
+                                  </p:stCondLst>
+                                  <p:childTnLst>
+                                    <p:set>
+                                      <p:cBhvr>
+                                        <p:cTn id="22" dur="1" fill="hold">
+                                          <p:stCondLst>
+                                            <p:cond delay="0"/>
+                                          </p:stCondLst>
+                                        </p:cTn>
+                                        <p:tgtEl>
+                                          <p:spTgt spid="8"/>
+                                        </p:tgtEl>
+                                        <p:attrNameLst>
+                                          <p:attrName>style.visibility</p:attrName>
+                                        </p:attrNameLst>
+                                      </p:cBhvr>
+                                      <p:to>
+                                        <p:strVal val="visible"/>
+                                      </p:to>
+                                    </p:set>
+                                  </p:childTnLst>
+                                </p:cTn>
+                              </p:par>
+                            </p:childTnLst>
+                          </p:cTn>
+                        </p:par>
+                      </p:childTnLst>
+                    </p:cTn>
+                  </p:par>
                 </p:childTnLst>
               </p:cTn>
               <p:prevCondLst>
@@ -13209,6 +13396,7 @@
       <p:bldP spid="18" grpId="0" animBg="1"/>
       <p:bldP spid="11" grpId="0" animBg="1"/>
       <p:bldP spid="13" grpId="0" animBg="1"/>
+      <p:bldP spid="8" grpId="0" animBg="1"/>
     </p:bldLst>
   </p:timing>
 </p:sld>
@@ -14625,7 +14813,7 @@
                           <a:ea typeface="Times New Roman"/>
                           <a:cs typeface="Times New Roman" pitchFamily="18" charset="0"/>
                         </a:rPr>
-                        <a:t>(“</a:t>
+                        <a:t>("</a:t>
                       </a:r>
                       <a:r>
                         <a:rPr lang="en-US" sz="2200" b="0" kern="1200" dirty="0" smtClean="0">
@@ -14651,15 +14839,6 @@
                         </a:rPr>
                         <a:t>");</a:t>
                       </a:r>
-                      <a:endParaRPr lang="en-US" sz="2200" b="0" kern="1200" dirty="0" smtClean="0">
-                        <a:solidFill>
-                          <a:srgbClr val="00005C"/>
-                        </a:solidFill>
-                        <a:effectLst/>
-                        <a:latin typeface="Times New Roman" pitchFamily="18" charset="0"/>
-                        <a:ea typeface="Times New Roman"/>
-                        <a:cs typeface="Times New Roman" pitchFamily="18" charset="0"/>
-                      </a:endParaRPr>
                     </a:p>
                     <a:p>
                       <a:pPr marL="228600" indent="-228600" algn="l" defTabSz="914400" rtl="0" eaLnBrk="1" latinLnBrk="0" hangingPunct="1">
@@ -14687,10 +14866,10 @@
                           <a:ea typeface="Times New Roman"/>
                           <a:cs typeface="Times New Roman" pitchFamily="18" charset="0"/>
                         </a:rPr>
-                        <a:t>Object result = client.invoke</a:t>
+                        <a:t>Object result = </a:t>
                       </a:r>
                       <a:r>
-                        <a:rPr lang="en-US" sz="2200" b="0" kern="1200" dirty="0" smtClean="0">
+                        <a:rPr lang="en-US" sz="2200" b="0" kern="1200" smtClean="0">
                           <a:solidFill>
                             <a:srgbClr val="00005C"/>
                           </a:solidFill>
@@ -14699,10 +14878,22 @@
                           <a:ea typeface="Times New Roman"/>
                           <a:cs typeface="Times New Roman" pitchFamily="18" charset="0"/>
                         </a:rPr>
-                        <a:t>(“</a:t>
+                        <a:t>client.invoke</a:t>
                       </a:r>
                       <a:r>
-                        <a:rPr lang="en-US" sz="2200" b="0" kern="1200" dirty="0" smtClean="0">
+                        <a:rPr lang="en-US" sz="2200" b="0" kern="1200" smtClean="0">
+                          <a:solidFill>
+                            <a:srgbClr val="00005C"/>
+                          </a:solidFill>
+                          <a:effectLst/>
+                          <a:latin typeface="Times New Roman" pitchFamily="18" charset="0"/>
+                          <a:ea typeface="Times New Roman"/>
+                          <a:cs typeface="Times New Roman" pitchFamily="18" charset="0"/>
+                        </a:rPr>
+                        <a:t>("</a:t>
+                      </a:r>
+                      <a:r>
+                        <a:rPr lang="en-US" sz="2200" b="0" kern="1200" smtClean="0">
                           <a:solidFill>
                             <a:srgbClr val="008000"/>
                           </a:solidFill>

--- a/WORD/luanvan_nhanhnt_ver8.pptx
+++ b/WORD/luanvan_nhanhnt_ver8.pptx
@@ -7,7 +7,7 @@
     <p:sldMasterId id="2147483652" r:id="rId3"/>
   </p:sldMasterIdLst>
   <p:notesMasterIdLst>
-    <p:notesMasterId r:id="rId42"/>
+    <p:notesMasterId r:id="rId39"/>
   </p:notesMasterIdLst>
   <p:sldIdLst>
     <p:sldId id="256" r:id="rId4"/>
@@ -38,16 +38,13 @@
     <p:sldId id="331" r:id="rId29"/>
     <p:sldId id="313" r:id="rId30"/>
     <p:sldId id="317" r:id="rId31"/>
-    <p:sldId id="318" r:id="rId32"/>
-    <p:sldId id="319" r:id="rId33"/>
-    <p:sldId id="320" r:id="rId34"/>
-    <p:sldId id="336" r:id="rId35"/>
-    <p:sldId id="337" r:id="rId36"/>
-    <p:sldId id="338" r:id="rId37"/>
-    <p:sldId id="333" r:id="rId38"/>
-    <p:sldId id="334" r:id="rId39"/>
-    <p:sldId id="335" r:id="rId40"/>
-    <p:sldId id="339" r:id="rId41"/>
+    <p:sldId id="337" r:id="rId32"/>
+    <p:sldId id="356" r:id="rId33"/>
+    <p:sldId id="338" r:id="rId34"/>
+    <p:sldId id="333" r:id="rId35"/>
+    <p:sldId id="334" r:id="rId36"/>
+    <p:sldId id="335" r:id="rId37"/>
+    <p:sldId id="339" r:id="rId38"/>
   </p:sldIdLst>
   <p:sldSz cx="9144000" cy="6858000" type="screen4x3"/>
   <p:notesSz cx="6858000" cy="9144000"/>
@@ -17317,7 +17314,7 @@
               <a:buChar char="•"/>
             </a:pPr>
             <a:r>
-              <a:rPr lang="en-US" sz="2400" smtClean="0"/>
+              <a:rPr lang="en-US" sz="2400" dirty="0" smtClean="0"/>
               <a:t>Pipes trong pipes</a:t>
             </a:r>
           </a:p>
@@ -17461,34 +17458,37 @@
           <a:p>
             <a:pPr lvl="2">
               <a:lnSpc>
-                <a:spcPct val="100000"/>
+                <a:spcPct val="200000"/>
               </a:lnSpc>
             </a:pPr>
             <a:r>
-              <a:rPr lang="en-US" b="1" dirty="0" smtClean="0"/>
-              <a:t>Conditional </a:t>
-            </a:r>
-            <a:r>
-              <a:rPr lang="en-US" b="1" dirty="0"/>
-              <a:t>Calls – Lời gọi có điều kiện</a:t>
-            </a:r>
-            <a:endParaRPr lang="en-US" dirty="0"/>
+              <a:rPr lang="en-US" dirty="0" smtClean="0"/>
+              <a:t>Để </a:t>
+            </a:r>
+            <a:r>
+              <a:rPr lang="en-US" dirty="0"/>
+              <a:t>triển khai kiến trúc hướng dịch vụ và công nghệ Web Services việc lựa chọn nền tảng Eclipse đáp ứng được tính mềm dẻo và linh hoạt của </a:t>
+            </a:r>
+            <a:r>
+              <a:rPr lang="en-US" dirty="0" smtClean="0"/>
+              <a:t>nó.</a:t>
+            </a:r>
           </a:p>
           <a:p>
             <a:pPr lvl="2">
               <a:lnSpc>
-                <a:spcPct val="100000"/>
+                <a:spcPct val="200000"/>
               </a:lnSpc>
             </a:pPr>
-            <a:endParaRPr lang="en-US" dirty="0"/>
-          </a:p>
-          <a:p>
-            <a:pPr lvl="2">
-              <a:lnSpc>
-                <a:spcPct val="100000"/>
-              </a:lnSpc>
-            </a:pPr>
-            <a:endParaRPr lang="en-US" dirty="0"/>
+            <a:r>
+              <a:rPr lang="en-US" dirty="0" smtClean="0"/>
+              <a:t>Xây dựng được </a:t>
+            </a:r>
+            <a:r>
+              <a:rPr lang="en-US" dirty="0"/>
+              <a:t>một hệ thống điều phối dịch vụ dựa trên kiến trúc plug-in trên nền tảng công nghệ của Eclipse để có thể triển khai lập trình ứng dụng theo kiến trúc hướng dịch vụ</a:t>
+            </a:r>
+            <a:endParaRPr lang="en-US" dirty="0" smtClean="0"/>
           </a:p>
           <a:p>
             <a:pPr lvl="2">
@@ -17521,16 +17521,17 @@
           <a:lstStyle/>
           <a:p>
             <a:r>
-              <a:rPr lang="en-US" dirty="0"/>
-              <a:t>Tính năng kỹ thuật và các loại kịch bản của Pipeline</a:t>
-            </a:r>
+              <a:rPr lang="en-US" dirty="0" smtClean="0"/>
+              <a:t>Kết luận</a:t>
+            </a:r>
+            <a:endParaRPr lang="en-US" dirty="0"/>
           </a:p>
         </p:txBody>
       </p:sp>
     </p:spTree>
     <p:extLst>
       <p:ext uri="{BB962C8B-B14F-4D97-AF65-F5344CB8AC3E}">
-        <p14:creationId xmlns:p14="http://schemas.microsoft.com/office/powerpoint/2010/main" val="1856495518"/>
+        <p14:creationId xmlns:p14="http://schemas.microsoft.com/office/powerpoint/2010/main" val="1997370528"/>
       </p:ext>
     </p:extLst>
   </p:cSld>
@@ -17756,18 +17757,37 @@
           <a:p>
             <a:pPr lvl="2">
               <a:lnSpc>
-                <a:spcPct val="100000"/>
+                <a:spcPct val="200000"/>
               </a:lnSpc>
             </a:pPr>
-            <a:endParaRPr lang="en-US" dirty="0"/>
+            <a:r>
+              <a:rPr lang="en-US" dirty="0" smtClean="0"/>
+              <a:t>Để </a:t>
+            </a:r>
+            <a:r>
+              <a:rPr lang="en-US" dirty="0"/>
+              <a:t>triển khai kiến trúc hướng dịch vụ và công nghệ Web Services việc lựa chọn nền tảng Eclipse đáp ứng được tính mềm dẻo và linh hoạt của </a:t>
+            </a:r>
+            <a:r>
+              <a:rPr lang="en-US" dirty="0" smtClean="0"/>
+              <a:t>nó.</a:t>
+            </a:r>
           </a:p>
           <a:p>
             <a:pPr lvl="2">
               <a:lnSpc>
-                <a:spcPct val="100000"/>
+                <a:spcPct val="200000"/>
               </a:lnSpc>
             </a:pPr>
-            <a:endParaRPr lang="en-US" dirty="0"/>
+            <a:r>
+              <a:rPr lang="en-US" dirty="0" smtClean="0"/>
+              <a:t>Xây dựng được </a:t>
+            </a:r>
+            <a:r>
+              <a:rPr lang="en-US" dirty="0"/>
+              <a:t>một hệ thống điều phối dịch vụ dựa trên kiến trúc plug-in trên nền tảng công nghệ của Eclipse để có thể triển khai lập trình ứng dụng theo kiến trúc hướng dịch vụ</a:t>
+            </a:r>
+            <a:endParaRPr lang="en-US" dirty="0" smtClean="0"/>
           </a:p>
           <a:p>
             <a:pPr lvl="2">
@@ -17800,80 +17820,17 @@
           <a:lstStyle/>
           <a:p>
             <a:r>
-              <a:rPr lang="en-US" dirty="0"/>
-              <a:t>Tính năng kỹ thuật và các loại kịch bản của Pipeline</a:t>
-            </a:r>
+              <a:rPr lang="en-US" dirty="0" smtClean="0"/>
+              <a:t>Kết luận</a:t>
+            </a:r>
+            <a:endParaRPr lang="en-US" dirty="0"/>
           </a:p>
         </p:txBody>
       </p:sp>
-      <p:pic>
-        <p:nvPicPr>
-          <p:cNvPr id="7170" name="Picture 2"/>
-          <p:cNvPicPr>
-            <a:picLocks noChangeAspect="1" noChangeArrowheads="1"/>
-          </p:cNvPicPr>
-          <p:nvPr/>
-        </p:nvPicPr>
-        <p:blipFill>
-          <a:blip r:embed="rId2">
-            <a:extLst>
-              <a:ext uri="{28A0092B-C50C-407E-A947-70E740481C1C}">
-                <a14:useLocalDpi xmlns:a14="http://schemas.microsoft.com/office/drawing/2010/main" val="0"/>
-              </a:ext>
-            </a:extLst>
-          </a:blip>
-          <a:srcRect/>
-          <a:stretch>
-            <a:fillRect/>
-          </a:stretch>
-        </p:blipFill>
-        <p:spPr bwMode="auto">
-          <a:xfrm>
-            <a:off x="1942415" y="990600"/>
-            <a:ext cx="5354111" cy="5568385"/>
-          </a:xfrm>
-          <a:prstGeom prst="rect">
-            <a:avLst/>
-          </a:prstGeom>
-          <a:noFill/>
-          <a:ln>
-            <a:noFill/>
-          </a:ln>
-          <a:effectLst/>
-          <a:extLst>
-            <a:ext uri="{909E8E84-426E-40DD-AFC4-6F175D3DCCD1}">
-              <a14:hiddenFill xmlns:a14="http://schemas.microsoft.com/office/drawing/2010/main">
-                <a:solidFill>
-                  <a:schemeClr val="accent1"/>
-                </a:solidFill>
-              </a14:hiddenFill>
-            </a:ext>
-            <a:ext uri="{91240B29-F687-4F45-9708-019B960494DF}">
-              <a14:hiddenLine xmlns:a14="http://schemas.microsoft.com/office/drawing/2010/main" w="9525">
-                <a:solidFill>
-                  <a:schemeClr val="tx1"/>
-                </a:solidFill>
-                <a:miter lim="800000"/>
-                <a:headEnd/>
-                <a:tailEnd/>
-              </a14:hiddenLine>
-            </a:ext>
-            <a:ext uri="{AF507438-7753-43E0-B8FC-AC1667EBCBE1}">
-              <a14:hiddenEffects xmlns:a14="http://schemas.microsoft.com/office/drawing/2010/main">
-                <a:effectLst>
-                  <a:outerShdw dist="35921" dir="2700000" algn="ctr" rotWithShape="0">
-                    <a:schemeClr val="bg2"/>
-                  </a:outerShdw>
-                </a:effectLst>
-              </a14:hiddenEffects>
-            </a:ext>
-          </a:extLst>
-        </p:spPr>
-      </p:pic>
     </p:spTree>
     <p:extLst>
       <p:ext uri="{BB962C8B-B14F-4D97-AF65-F5344CB8AC3E}">
-        <p14:creationId xmlns:p14="http://schemas.microsoft.com/office/powerpoint/2010/main" val="3050458809"/>
+        <p14:creationId xmlns:p14="http://schemas.microsoft.com/office/powerpoint/2010/main" val="41452972"/>
       </p:ext>
     </p:extLst>
   </p:cSld>
@@ -17953,34 +17910,88 @@
           </a:bodyPr>
           <a:lstStyle/>
           <a:p>
-            <a:r>
-              <a:rPr lang="en-US" dirty="0"/>
-              <a:t>Pipes within Pipes – Pipes trong pipes</a:t>
-            </a:r>
-          </a:p>
-          <a:p>
-            <a:pPr lvl="2">
-              <a:lnSpc>
-                <a:spcPct val="100000"/>
-              </a:lnSpc>
-            </a:pPr>
-            <a:endParaRPr lang="en-US" dirty="0"/>
-          </a:p>
-          <a:p>
-            <a:pPr lvl="2">
-              <a:lnSpc>
-                <a:spcPct val="100000"/>
-              </a:lnSpc>
-            </a:pPr>
-            <a:endParaRPr lang="en-US" dirty="0"/>
-          </a:p>
-          <a:p>
             <a:pPr lvl="2">
               <a:lnSpc>
                 <a:spcPct val="200000"/>
               </a:lnSpc>
             </a:pPr>
-            <a:endParaRPr lang="en-US" sz="2800" dirty="0"/>
+            <a:r>
+              <a:rPr lang="en-US" dirty="0" smtClean="0"/>
+              <a:t>Hướng </a:t>
+            </a:r>
+            <a:r>
+              <a:rPr lang="en-US" dirty="0"/>
+              <a:t>nghiên cứu tiếp theo của luận văn </a:t>
+            </a:r>
+            <a:endParaRPr lang="en-US" dirty="0" smtClean="0"/>
+          </a:p>
+          <a:p>
+            <a:pPr marL="350838" lvl="2" indent="563563">
+              <a:lnSpc>
+                <a:spcPct val="200000"/>
+              </a:lnSpc>
+              <a:buFont typeface="Arial" pitchFamily="34" charset="0"/>
+              <a:buChar char="•"/>
+            </a:pPr>
+            <a:r>
+              <a:rPr lang="en-US" dirty="0" smtClean="0"/>
+              <a:t>Tiếp </a:t>
+            </a:r>
+            <a:r>
+              <a:rPr lang="en-US" dirty="0"/>
+              <a:t>tục hoàn thiện hơn nữa hệ thống </a:t>
+            </a:r>
+            <a:r>
+              <a:rPr lang="en-US" dirty="0" smtClean="0"/>
+              <a:t>plug-in</a:t>
+            </a:r>
+          </a:p>
+          <a:p>
+            <a:pPr marL="350838" lvl="2" indent="563563">
+              <a:lnSpc>
+                <a:spcPct val="200000"/>
+              </a:lnSpc>
+              <a:buFont typeface="Arial" pitchFamily="34" charset="0"/>
+              <a:buChar char="•"/>
+            </a:pPr>
+            <a:r>
+              <a:rPr lang="en-US" dirty="0" smtClean="0"/>
+              <a:t>Thử </a:t>
+            </a:r>
+            <a:r>
+              <a:rPr lang="en-US" dirty="0"/>
+              <a:t>nghiệm với nhiều Web Services phức tạp </a:t>
+            </a:r>
+            <a:endParaRPr lang="en-US" dirty="0" smtClean="0"/>
+          </a:p>
+          <a:p>
+            <a:pPr marL="350838" lvl="2" indent="563563">
+              <a:lnSpc>
+                <a:spcPct val="200000"/>
+              </a:lnSpc>
+              <a:buFont typeface="Arial" pitchFamily="34" charset="0"/>
+              <a:buChar char="•"/>
+            </a:pPr>
+            <a:r>
+              <a:rPr lang="en-US" dirty="0"/>
+              <a:t>Đ</a:t>
+            </a:r>
+            <a:r>
+              <a:rPr lang="en-US" dirty="0" smtClean="0"/>
+              <a:t>ồng </a:t>
+            </a:r>
+            <a:r>
+              <a:rPr lang="en-US" dirty="0"/>
+              <a:t>thời nghiên cứu tăng cường khả năng bảo mật.</a:t>
+            </a:r>
+          </a:p>
+          <a:p>
+            <a:pPr lvl="2">
+              <a:lnSpc>
+                <a:spcPct val="200000"/>
+              </a:lnSpc>
+            </a:pPr>
+            <a:endParaRPr lang="en-US" dirty="0"/>
           </a:p>
           <a:p>
             <a:endParaRPr lang="en-US" dirty="0"/>
@@ -18005,80 +18016,17 @@
           <a:lstStyle/>
           <a:p>
             <a:r>
-              <a:rPr lang="en-US" dirty="0"/>
-              <a:t>Tính năng kỹ thuật và các loại kịch bản của Pipeline</a:t>
-            </a:r>
+              <a:rPr lang="en-US" dirty="0" smtClean="0"/>
+              <a:t>Kết luận</a:t>
+            </a:r>
+            <a:endParaRPr lang="en-US" dirty="0"/>
           </a:p>
         </p:txBody>
       </p:sp>
-      <p:pic>
-        <p:nvPicPr>
-          <p:cNvPr id="8196" name="Picture 4"/>
-          <p:cNvPicPr>
-            <a:picLocks noChangeAspect="1" noChangeArrowheads="1"/>
-          </p:cNvPicPr>
-          <p:nvPr/>
-        </p:nvPicPr>
-        <p:blipFill>
-          <a:blip r:embed="rId2">
-            <a:extLst>
-              <a:ext uri="{28A0092B-C50C-407E-A947-70E740481C1C}">
-                <a14:useLocalDpi xmlns:a14="http://schemas.microsoft.com/office/drawing/2010/main" val="0"/>
-              </a:ext>
-            </a:extLst>
-          </a:blip>
-          <a:srcRect/>
-          <a:stretch>
-            <a:fillRect/>
-          </a:stretch>
-        </p:blipFill>
-        <p:spPr bwMode="auto">
-          <a:xfrm>
-            <a:off x="1364691" y="1981200"/>
-            <a:ext cx="6294213" cy="3352800"/>
-          </a:xfrm>
-          <a:prstGeom prst="rect">
-            <a:avLst/>
-          </a:prstGeom>
-          <a:noFill/>
-          <a:ln>
-            <a:noFill/>
-          </a:ln>
-          <a:effectLst/>
-          <a:extLst>
-            <a:ext uri="{909E8E84-426E-40DD-AFC4-6F175D3DCCD1}">
-              <a14:hiddenFill xmlns:a14="http://schemas.microsoft.com/office/drawing/2010/main">
-                <a:solidFill>
-                  <a:schemeClr val="accent1"/>
-                </a:solidFill>
-              </a14:hiddenFill>
-            </a:ext>
-            <a:ext uri="{91240B29-F687-4F45-9708-019B960494DF}">
-              <a14:hiddenLine xmlns:a14="http://schemas.microsoft.com/office/drawing/2010/main" w="9525">
-                <a:solidFill>
-                  <a:schemeClr val="tx1"/>
-                </a:solidFill>
-                <a:miter lim="800000"/>
-                <a:headEnd/>
-                <a:tailEnd/>
-              </a14:hiddenLine>
-            </a:ext>
-            <a:ext uri="{AF507438-7753-43E0-B8FC-AC1667EBCBE1}">
-              <a14:hiddenEffects xmlns:a14="http://schemas.microsoft.com/office/drawing/2010/main">
-                <a:effectLst>
-                  <a:outerShdw dist="35921" dir="2700000" algn="ctr" rotWithShape="0">
-                    <a:schemeClr val="bg2"/>
-                  </a:outerShdw>
-                </a:effectLst>
-              </a14:hiddenEffects>
-            </a:ext>
-          </a:extLst>
-        </p:spPr>
-      </p:pic>
     </p:spTree>
     <p:extLst>
       <p:ext uri="{BB962C8B-B14F-4D97-AF65-F5344CB8AC3E}">
-        <p14:creationId xmlns:p14="http://schemas.microsoft.com/office/powerpoint/2010/main" val="1040396552"/>
+        <p14:creationId xmlns:p14="http://schemas.microsoft.com/office/powerpoint/2010/main" val="3886648802"/>
       </p:ext>
     </p:extLst>
   </p:cSld>
@@ -18098,6 +18046,20 @@
 <file path=ppt/slides/slide32.xml><?xml version="1.0" encoding="utf-8"?>
 <p:sld xmlns:a="http://schemas.openxmlformats.org/drawingml/2006/main" xmlns:r="http://schemas.openxmlformats.org/officeDocument/2006/relationships" xmlns:p="http://schemas.openxmlformats.org/presentationml/2006/main">
   <p:cSld>
+    <p:bg>
+      <p:bgPr>
+        <a:blipFill dpi="0" rotWithShape="1">
+          <a:blip r:embed="rId3">
+            <a:lum/>
+          </a:blip>
+          <a:srcRect/>
+          <a:stretch>
+            <a:fillRect t="-21000" b="-21000"/>
+          </a:stretch>
+        </a:blipFill>
+        <a:effectLst/>
+      </p:bgPr>
+    </p:bg>
     <p:spTree>
       <p:nvGrpSpPr>
         <p:cNvPr id="1" name=""/>
@@ -18114,42 +18076,18 @@
       </p:grpSpPr>
       <p:sp>
         <p:nvSpPr>
-          <p:cNvPr id="2" name="Slide Number Placeholder 1"/>
+          <p:cNvPr id="2" name="Title 1"/>
           <p:cNvSpPr>
             <a:spLocks noGrp="1"/>
           </p:cNvSpPr>
           <p:nvPr>
-            <p:ph type="sldNum" sz="quarter" idx="12"/>
-          </p:nvPr>
-        </p:nvSpPr>
-        <p:spPr/>
-        <p:txBody>
-          <a:bodyPr/>
-          <a:lstStyle/>
-          <a:p>
-            <a:fld id="{9DFD9A34-EC64-4F0B-9C9B-2C0A202A050B}" type="slidenum">
-              <a:rPr lang="en-US" smtClean="0"/>
-              <a:pPr/>
-              <a:t>32</a:t>
-            </a:fld>
-            <a:endParaRPr lang="en-US" dirty="0"/>
-          </a:p>
-        </p:txBody>
-      </p:sp>
-      <p:sp>
-        <p:nvSpPr>
-          <p:cNvPr id="3" name="Content Placeholder 2"/>
-          <p:cNvSpPr>
-            <a:spLocks noGrp="1"/>
-          </p:cNvSpPr>
-          <p:nvPr>
-            <p:ph sz="quarter" idx="14"/>
+            <p:ph type="title"/>
           </p:nvPr>
         </p:nvSpPr>
         <p:spPr>
           <a:xfrm>
-            <a:off x="585097" y="990600"/>
-            <a:ext cx="7874115" cy="5867400"/>
+            <a:off x="0" y="365129"/>
+            <a:ext cx="9144000" cy="5768389"/>
           </a:xfrm>
         </p:spPr>
         <p:txBody>
@@ -18158,91 +18096,914 @@
           </a:bodyPr>
           <a:lstStyle/>
           <a:p>
-            <a:pPr lvl="2">
-              <a:lnSpc>
-                <a:spcPct val="200000"/>
-              </a:lnSpc>
-            </a:pPr>
-            <a:r>
-              <a:rPr lang="en-US" dirty="0"/>
-              <a:t>Việc xây dựng kiến trúc hướng dịch vụ theo đường ống – SOPA đã giúp các dịch vụ có thể giao tiếp với nhau, tích hợp lại thành các quy trình nghiệp vụ mới đáp ứng yêu cầu của người sử </a:t>
-            </a:r>
-            <a:r>
-              <a:rPr lang="en-US" dirty="0" smtClean="0"/>
-              <a:t>dụng</a:t>
-            </a:r>
-          </a:p>
-          <a:p>
-            <a:pPr lvl="2">
-              <a:lnSpc>
-                <a:spcPct val="200000"/>
-              </a:lnSpc>
-            </a:pPr>
-            <a:r>
-              <a:rPr lang="en-GB" dirty="0" smtClean="0"/>
-              <a:t>Việc xây </a:t>
-            </a:r>
-            <a:r>
-              <a:rPr lang="en-GB" dirty="0"/>
-              <a:t>dựng plug-in </a:t>
-            </a:r>
-            <a:r>
-              <a:rPr lang="en-GB" dirty="0" smtClean="0"/>
-              <a:t>đã </a:t>
-            </a:r>
-            <a:r>
-              <a:rPr lang="en-GB" dirty="0"/>
-              <a:t>làm đơn giản quá trình tạo pipeline, dựa trên các yêu cầu đến và các dịch vụ hiện có để hình thành nên dịch vụ mới.</a:t>
-            </a:r>
-            <a:endParaRPr lang="en-US" dirty="0"/>
-          </a:p>
-          <a:p>
-            <a:pPr lvl="2">
-              <a:lnSpc>
-                <a:spcPct val="200000"/>
-              </a:lnSpc>
-            </a:pPr>
-            <a:endParaRPr lang="en-US" sz="2800" dirty="0"/>
-          </a:p>
-          <a:p>
-            <a:endParaRPr lang="en-US" dirty="0"/>
-          </a:p>
-        </p:txBody>
-      </p:sp>
-      <p:sp>
-        <p:nvSpPr>
-          <p:cNvPr id="4" name="Title 3"/>
-          <p:cNvSpPr>
-            <a:spLocks noGrp="1"/>
-          </p:cNvSpPr>
-          <p:nvPr>
-            <p:ph type="title"/>
-          </p:nvPr>
-        </p:nvSpPr>
-        <p:spPr/>
-        <p:txBody>
-          <a:bodyPr>
-            <a:normAutofit/>
-          </a:bodyPr>
-          <a:lstStyle/>
-          <a:p>
-            <a:r>
-              <a:rPr lang="en-US" dirty="0" smtClean="0"/>
-              <a:t>Tiểu kết chương 3</a:t>
-            </a:r>
-            <a:endParaRPr lang="en-US" dirty="0"/>
+            <a:pPr algn="ctr"/>
+            <a:r>
+              <a:rPr lang="en-US" sz="4000" dirty="0" err="1">
+                <a:ln w="0"/>
+                <a:gradFill>
+                  <a:gsLst>
+                    <a:gs pos="0">
+                      <a:schemeClr val="accent5">
+                        <a:lumMod val="50000"/>
+                      </a:schemeClr>
+                    </a:gs>
+                    <a:gs pos="50000">
+                      <a:schemeClr val="accent5"/>
+                    </a:gs>
+                    <a:gs pos="100000">
+                      <a:schemeClr val="accent5">
+                        <a:lumMod val="60000"/>
+                        <a:lumOff val="40000"/>
+                      </a:schemeClr>
+                    </a:gs>
+                  </a:gsLst>
+                  <a:lin ang="5400000"/>
+                </a:gradFill>
+                <a:effectLst>
+                  <a:reflection blurRad="6350" stA="53000" endA="300" endPos="35500" dir="5400000" sy="-90000" algn="bl" rotWithShape="0"/>
+                </a:effectLst>
+                <a:latin typeface="Ariston" panose="02020500000000000000" pitchFamily="18" charset="0"/>
+                <a:ea typeface="Ariston" panose="02020500000000000000" pitchFamily="18" charset="0"/>
+                <a:cs typeface="Ariston" panose="02020500000000000000" pitchFamily="18" charset="0"/>
+              </a:rPr>
+              <a:t>X</a:t>
+            </a:r>
+            <a:r>
+              <a:rPr lang="en-US" sz="4000" dirty="0" err="1" smtClean="0">
+                <a:ln w="0"/>
+                <a:gradFill>
+                  <a:gsLst>
+                    <a:gs pos="0">
+                      <a:schemeClr val="accent5">
+                        <a:lumMod val="50000"/>
+                      </a:schemeClr>
+                    </a:gs>
+                    <a:gs pos="50000">
+                      <a:schemeClr val="accent5"/>
+                    </a:gs>
+                    <a:gs pos="100000">
+                      <a:schemeClr val="accent5">
+                        <a:lumMod val="60000"/>
+                        <a:lumOff val="40000"/>
+                      </a:schemeClr>
+                    </a:gs>
+                  </a:gsLst>
+                  <a:lin ang="5400000"/>
+                </a:gradFill>
+                <a:effectLst>
+                  <a:reflection blurRad="6350" stA="53000" endA="300" endPos="35500" dir="5400000" sy="-90000" algn="bl" rotWithShape="0"/>
+                </a:effectLst>
+                <a:latin typeface="Ariston" panose="02020500000000000000" pitchFamily="18" charset="0"/>
+                <a:ea typeface="Ariston" panose="02020500000000000000" pitchFamily="18" charset="0"/>
+                <a:cs typeface="Ariston" panose="02020500000000000000" pitchFamily="18" charset="0"/>
+              </a:rPr>
+              <a:t>in</a:t>
+            </a:r>
+            <a:r>
+              <a:rPr lang="en-US" sz="4000" dirty="0" smtClean="0">
+                <a:ln w="0"/>
+                <a:gradFill>
+                  <a:gsLst>
+                    <a:gs pos="0">
+                      <a:schemeClr val="accent5">
+                        <a:lumMod val="50000"/>
+                      </a:schemeClr>
+                    </a:gs>
+                    <a:gs pos="50000">
+                      <a:schemeClr val="accent5"/>
+                    </a:gs>
+                    <a:gs pos="100000">
+                      <a:schemeClr val="accent5">
+                        <a:lumMod val="60000"/>
+                        <a:lumOff val="40000"/>
+                      </a:schemeClr>
+                    </a:gs>
+                  </a:gsLst>
+                  <a:lin ang="5400000"/>
+                </a:gradFill>
+                <a:effectLst>
+                  <a:reflection blurRad="6350" stA="53000" endA="300" endPos="35500" dir="5400000" sy="-90000" algn="bl" rotWithShape="0"/>
+                </a:effectLst>
+                <a:latin typeface="Ariston" panose="02020500000000000000" pitchFamily="18" charset="0"/>
+                <a:ea typeface="Ariston" panose="02020500000000000000" pitchFamily="18" charset="0"/>
+                <a:cs typeface="Ariston" panose="02020500000000000000" pitchFamily="18" charset="0"/>
+              </a:rPr>
+              <a:t> </a:t>
+            </a:r>
+            <a:r>
+              <a:rPr lang="en-US" sz="4000" dirty="0" err="1">
+                <a:ln w="0"/>
+                <a:gradFill>
+                  <a:gsLst>
+                    <a:gs pos="0">
+                      <a:schemeClr val="accent5">
+                        <a:lumMod val="50000"/>
+                      </a:schemeClr>
+                    </a:gs>
+                    <a:gs pos="50000">
+                      <a:schemeClr val="accent5"/>
+                    </a:gs>
+                    <a:gs pos="100000">
+                      <a:schemeClr val="accent5">
+                        <a:lumMod val="60000"/>
+                        <a:lumOff val="40000"/>
+                      </a:schemeClr>
+                    </a:gs>
+                  </a:gsLst>
+                  <a:lin ang="5400000"/>
+                </a:gradFill>
+                <a:effectLst>
+                  <a:reflection blurRad="6350" stA="53000" endA="300" endPos="35500" dir="5400000" sy="-90000" algn="bl" rotWithShape="0"/>
+                </a:effectLst>
+                <a:latin typeface="Ariston" panose="02020500000000000000" pitchFamily="18" charset="0"/>
+                <a:ea typeface="Ariston" panose="02020500000000000000" pitchFamily="18" charset="0"/>
+                <a:cs typeface="Ariston" panose="02020500000000000000" pitchFamily="18" charset="0"/>
+              </a:rPr>
+              <a:t>chân</a:t>
+            </a:r>
+            <a:r>
+              <a:rPr lang="en-US" sz="4000" dirty="0">
+                <a:ln w="0"/>
+                <a:gradFill>
+                  <a:gsLst>
+                    <a:gs pos="0">
+                      <a:schemeClr val="accent5">
+                        <a:lumMod val="50000"/>
+                      </a:schemeClr>
+                    </a:gs>
+                    <a:gs pos="50000">
+                      <a:schemeClr val="accent5"/>
+                    </a:gs>
+                    <a:gs pos="100000">
+                      <a:schemeClr val="accent5">
+                        <a:lumMod val="60000"/>
+                        <a:lumOff val="40000"/>
+                      </a:schemeClr>
+                    </a:gs>
+                  </a:gsLst>
+                  <a:lin ang="5400000"/>
+                </a:gradFill>
+                <a:effectLst>
+                  <a:reflection blurRad="6350" stA="53000" endA="300" endPos="35500" dir="5400000" sy="-90000" algn="bl" rotWithShape="0"/>
+                </a:effectLst>
+                <a:latin typeface="Ariston" panose="02020500000000000000" pitchFamily="18" charset="0"/>
+                <a:ea typeface="Ariston" panose="02020500000000000000" pitchFamily="18" charset="0"/>
+                <a:cs typeface="Ariston" panose="02020500000000000000" pitchFamily="18" charset="0"/>
+              </a:rPr>
+              <a:t> </a:t>
+            </a:r>
+            <a:r>
+              <a:rPr lang="en-US" sz="4000" dirty="0" err="1">
+                <a:ln w="0"/>
+                <a:gradFill>
+                  <a:gsLst>
+                    <a:gs pos="0">
+                      <a:schemeClr val="accent5">
+                        <a:lumMod val="50000"/>
+                      </a:schemeClr>
+                    </a:gs>
+                    <a:gs pos="50000">
+                      <a:schemeClr val="accent5"/>
+                    </a:gs>
+                    <a:gs pos="100000">
+                      <a:schemeClr val="accent5">
+                        <a:lumMod val="60000"/>
+                        <a:lumOff val="40000"/>
+                      </a:schemeClr>
+                    </a:gs>
+                  </a:gsLst>
+                  <a:lin ang="5400000"/>
+                </a:gradFill>
+                <a:effectLst>
+                  <a:reflection blurRad="6350" stA="53000" endA="300" endPos="35500" dir="5400000" sy="-90000" algn="bl" rotWithShape="0"/>
+                </a:effectLst>
+                <a:latin typeface="Ariston" panose="02020500000000000000" pitchFamily="18" charset="0"/>
+                <a:ea typeface="Ariston" panose="02020500000000000000" pitchFamily="18" charset="0"/>
+                <a:cs typeface="Ariston" panose="02020500000000000000" pitchFamily="18" charset="0"/>
+              </a:rPr>
+              <a:t>thành</a:t>
+            </a:r>
+            <a:r>
+              <a:rPr lang="en-US" sz="4000" dirty="0">
+                <a:ln w="0"/>
+                <a:gradFill>
+                  <a:gsLst>
+                    <a:gs pos="0">
+                      <a:schemeClr val="accent5">
+                        <a:lumMod val="50000"/>
+                      </a:schemeClr>
+                    </a:gs>
+                    <a:gs pos="50000">
+                      <a:schemeClr val="accent5"/>
+                    </a:gs>
+                    <a:gs pos="100000">
+                      <a:schemeClr val="accent5">
+                        <a:lumMod val="60000"/>
+                        <a:lumOff val="40000"/>
+                      </a:schemeClr>
+                    </a:gs>
+                  </a:gsLst>
+                  <a:lin ang="5400000"/>
+                </a:gradFill>
+                <a:effectLst>
+                  <a:reflection blurRad="6350" stA="53000" endA="300" endPos="35500" dir="5400000" sy="-90000" algn="bl" rotWithShape="0"/>
+                </a:effectLst>
+                <a:latin typeface="Ariston" panose="02020500000000000000" pitchFamily="18" charset="0"/>
+                <a:ea typeface="Ariston" panose="02020500000000000000" pitchFamily="18" charset="0"/>
+                <a:cs typeface="Ariston" panose="02020500000000000000" pitchFamily="18" charset="0"/>
+              </a:rPr>
+              <a:t> </a:t>
+            </a:r>
+            <a:r>
+              <a:rPr lang="en-US" sz="4000" dirty="0" err="1">
+                <a:ln w="0"/>
+                <a:gradFill>
+                  <a:gsLst>
+                    <a:gs pos="0">
+                      <a:schemeClr val="accent5">
+                        <a:lumMod val="50000"/>
+                      </a:schemeClr>
+                    </a:gs>
+                    <a:gs pos="50000">
+                      <a:schemeClr val="accent5"/>
+                    </a:gs>
+                    <a:gs pos="100000">
+                      <a:schemeClr val="accent5">
+                        <a:lumMod val="60000"/>
+                        <a:lumOff val="40000"/>
+                      </a:schemeClr>
+                    </a:gs>
+                  </a:gsLst>
+                  <a:lin ang="5400000"/>
+                </a:gradFill>
+                <a:effectLst>
+                  <a:reflection blurRad="6350" stA="53000" endA="300" endPos="35500" dir="5400000" sy="-90000" algn="bl" rotWithShape="0"/>
+                </a:effectLst>
+                <a:latin typeface="Ariston" panose="02020500000000000000" pitchFamily="18" charset="0"/>
+                <a:ea typeface="Ariston" panose="02020500000000000000" pitchFamily="18" charset="0"/>
+                <a:cs typeface="Ariston" panose="02020500000000000000" pitchFamily="18" charset="0"/>
+              </a:rPr>
+              <a:t>cảm</a:t>
+            </a:r>
+            <a:r>
+              <a:rPr lang="en-US" sz="4000" dirty="0">
+                <a:ln w="0"/>
+                <a:gradFill>
+                  <a:gsLst>
+                    <a:gs pos="0">
+                      <a:schemeClr val="accent5">
+                        <a:lumMod val="50000"/>
+                      </a:schemeClr>
+                    </a:gs>
+                    <a:gs pos="50000">
+                      <a:schemeClr val="accent5"/>
+                    </a:gs>
+                    <a:gs pos="100000">
+                      <a:schemeClr val="accent5">
+                        <a:lumMod val="60000"/>
+                        <a:lumOff val="40000"/>
+                      </a:schemeClr>
+                    </a:gs>
+                  </a:gsLst>
+                  <a:lin ang="5400000"/>
+                </a:gradFill>
+                <a:effectLst>
+                  <a:reflection blurRad="6350" stA="53000" endA="300" endPos="35500" dir="5400000" sy="-90000" algn="bl" rotWithShape="0"/>
+                </a:effectLst>
+                <a:latin typeface="Ariston" panose="02020500000000000000" pitchFamily="18" charset="0"/>
+                <a:ea typeface="Ariston" panose="02020500000000000000" pitchFamily="18" charset="0"/>
+                <a:cs typeface="Ariston" panose="02020500000000000000" pitchFamily="18" charset="0"/>
+              </a:rPr>
+              <a:t> </a:t>
+            </a:r>
+            <a:r>
+              <a:rPr lang="vi-VN" sz="4000" dirty="0">
+                <a:ln w="0"/>
+                <a:gradFill>
+                  <a:gsLst>
+                    <a:gs pos="0">
+                      <a:schemeClr val="accent5">
+                        <a:lumMod val="50000"/>
+                      </a:schemeClr>
+                    </a:gs>
+                    <a:gs pos="50000">
+                      <a:schemeClr val="accent5"/>
+                    </a:gs>
+                    <a:gs pos="100000">
+                      <a:schemeClr val="accent5">
+                        <a:lumMod val="60000"/>
+                        <a:lumOff val="40000"/>
+                      </a:schemeClr>
+                    </a:gs>
+                  </a:gsLst>
+                  <a:lin ang="5400000"/>
+                </a:gradFill>
+                <a:effectLst>
+                  <a:reflection blurRad="6350" stA="53000" endA="300" endPos="35500" dir="5400000" sy="-90000" algn="bl" rotWithShape="0"/>
+                </a:effectLst>
+                <a:latin typeface="Ariston" panose="02020500000000000000" pitchFamily="18" charset="0"/>
+                <a:ea typeface="Ariston" panose="02020500000000000000" pitchFamily="18" charset="0"/>
+                <a:cs typeface="Ariston" panose="02020500000000000000" pitchFamily="18" charset="0"/>
+              </a:rPr>
+              <a:t>ơ</a:t>
+            </a:r>
+            <a:r>
+              <a:rPr lang="en-US" sz="4000" dirty="0">
+                <a:ln w="0"/>
+                <a:gradFill>
+                  <a:gsLst>
+                    <a:gs pos="0">
+                      <a:schemeClr val="accent5">
+                        <a:lumMod val="50000"/>
+                      </a:schemeClr>
+                    </a:gs>
+                    <a:gs pos="50000">
+                      <a:schemeClr val="accent5"/>
+                    </a:gs>
+                    <a:gs pos="100000">
+                      <a:schemeClr val="accent5">
+                        <a:lumMod val="60000"/>
+                        <a:lumOff val="40000"/>
+                      </a:schemeClr>
+                    </a:gs>
+                  </a:gsLst>
+                  <a:lin ang="5400000"/>
+                </a:gradFill>
+                <a:effectLst>
+                  <a:reflection blurRad="6350" stA="53000" endA="300" endPos="35500" dir="5400000" sy="-90000" algn="bl" rotWithShape="0"/>
+                </a:effectLst>
+                <a:latin typeface="Ariston" panose="02020500000000000000" pitchFamily="18" charset="0"/>
+                <a:ea typeface="Ariston" panose="02020500000000000000" pitchFamily="18" charset="0"/>
+                <a:cs typeface="Ariston" panose="02020500000000000000" pitchFamily="18" charset="0"/>
+              </a:rPr>
+              <a:t>n </a:t>
+            </a:r>
+            <a:r>
+              <a:rPr lang="en-US" sz="4000" dirty="0" err="1" smtClean="0">
+                <a:ln w="0"/>
+                <a:gradFill>
+                  <a:gsLst>
+                    <a:gs pos="0">
+                      <a:schemeClr val="accent5">
+                        <a:lumMod val="50000"/>
+                      </a:schemeClr>
+                    </a:gs>
+                    <a:gs pos="50000">
+                      <a:schemeClr val="accent5"/>
+                    </a:gs>
+                    <a:gs pos="100000">
+                      <a:schemeClr val="accent5">
+                        <a:lumMod val="60000"/>
+                        <a:lumOff val="40000"/>
+                      </a:schemeClr>
+                    </a:gs>
+                  </a:gsLst>
+                  <a:lin ang="5400000"/>
+                </a:gradFill>
+                <a:effectLst>
+                  <a:reflection blurRad="6350" stA="53000" endA="300" endPos="35500" dir="5400000" sy="-90000" algn="bl" rotWithShape="0"/>
+                </a:effectLst>
+                <a:latin typeface="Ariston" panose="02020500000000000000" pitchFamily="18" charset="0"/>
+                <a:ea typeface="Ariston" panose="02020500000000000000" pitchFamily="18" charset="0"/>
+                <a:cs typeface="Ariston" panose="02020500000000000000" pitchFamily="18" charset="0"/>
+              </a:rPr>
+              <a:t>quý</a:t>
+            </a:r>
+            <a:r>
+              <a:rPr lang="en-US" sz="4000" dirty="0" smtClean="0">
+                <a:ln w="0"/>
+                <a:gradFill>
+                  <a:gsLst>
+                    <a:gs pos="0">
+                      <a:schemeClr val="accent5">
+                        <a:lumMod val="50000"/>
+                      </a:schemeClr>
+                    </a:gs>
+                    <a:gs pos="50000">
+                      <a:schemeClr val="accent5"/>
+                    </a:gs>
+                    <a:gs pos="100000">
+                      <a:schemeClr val="accent5">
+                        <a:lumMod val="60000"/>
+                        <a:lumOff val="40000"/>
+                      </a:schemeClr>
+                    </a:gs>
+                  </a:gsLst>
+                  <a:lin ang="5400000"/>
+                </a:gradFill>
+                <a:effectLst>
+                  <a:reflection blurRad="6350" stA="53000" endA="300" endPos="35500" dir="5400000" sy="-90000" algn="bl" rotWithShape="0"/>
+                </a:effectLst>
+                <a:latin typeface="Ariston" panose="02020500000000000000" pitchFamily="18" charset="0"/>
+                <a:ea typeface="Ariston" panose="02020500000000000000" pitchFamily="18" charset="0"/>
+                <a:cs typeface="Ariston" panose="02020500000000000000" pitchFamily="18" charset="0"/>
+              </a:rPr>
+              <a:t> </a:t>
+            </a:r>
+            <a:r>
+              <a:rPr lang="en-US" sz="4000" dirty="0" err="1">
+                <a:ln w="0"/>
+                <a:gradFill>
+                  <a:gsLst>
+                    <a:gs pos="0">
+                      <a:schemeClr val="accent5">
+                        <a:lumMod val="50000"/>
+                      </a:schemeClr>
+                    </a:gs>
+                    <a:gs pos="50000">
+                      <a:schemeClr val="accent5"/>
+                    </a:gs>
+                    <a:gs pos="100000">
+                      <a:schemeClr val="accent5">
+                        <a:lumMod val="60000"/>
+                        <a:lumOff val="40000"/>
+                      </a:schemeClr>
+                    </a:gs>
+                  </a:gsLst>
+                  <a:lin ang="5400000"/>
+                </a:gradFill>
+                <a:effectLst>
+                  <a:reflection blurRad="6350" stA="53000" endA="300" endPos="35500" dir="5400000" sy="-90000" algn="bl" rotWithShape="0"/>
+                </a:effectLst>
+                <a:latin typeface="Ariston" panose="02020500000000000000" pitchFamily="18" charset="0"/>
+                <a:ea typeface="Ariston" panose="02020500000000000000" pitchFamily="18" charset="0"/>
+                <a:cs typeface="Ariston" panose="02020500000000000000" pitchFamily="18" charset="0"/>
+              </a:rPr>
+              <a:t>Thầy</a:t>
+            </a:r>
+            <a:r>
+              <a:rPr lang="en-US" sz="4000" dirty="0">
+                <a:ln w="0"/>
+                <a:gradFill>
+                  <a:gsLst>
+                    <a:gs pos="0">
+                      <a:schemeClr val="accent5">
+                        <a:lumMod val="50000"/>
+                      </a:schemeClr>
+                    </a:gs>
+                    <a:gs pos="50000">
+                      <a:schemeClr val="accent5"/>
+                    </a:gs>
+                    <a:gs pos="100000">
+                      <a:schemeClr val="accent5">
+                        <a:lumMod val="60000"/>
+                        <a:lumOff val="40000"/>
+                      </a:schemeClr>
+                    </a:gs>
+                  </a:gsLst>
+                  <a:lin ang="5400000"/>
+                </a:gradFill>
+                <a:effectLst>
+                  <a:reflection blurRad="6350" stA="53000" endA="300" endPos="35500" dir="5400000" sy="-90000" algn="bl" rotWithShape="0"/>
+                </a:effectLst>
+                <a:latin typeface="Ariston" panose="02020500000000000000" pitchFamily="18" charset="0"/>
+                <a:ea typeface="Ariston" panose="02020500000000000000" pitchFamily="18" charset="0"/>
+                <a:cs typeface="Ariston" panose="02020500000000000000" pitchFamily="18" charset="0"/>
+              </a:rPr>
+              <a:t> </a:t>
+            </a:r>
+            <a:r>
+              <a:rPr lang="en-US" sz="4000" dirty="0" err="1">
+                <a:ln w="0"/>
+                <a:gradFill>
+                  <a:gsLst>
+                    <a:gs pos="0">
+                      <a:schemeClr val="accent5">
+                        <a:lumMod val="50000"/>
+                      </a:schemeClr>
+                    </a:gs>
+                    <a:gs pos="50000">
+                      <a:schemeClr val="accent5"/>
+                    </a:gs>
+                    <a:gs pos="100000">
+                      <a:schemeClr val="accent5">
+                        <a:lumMod val="60000"/>
+                        <a:lumOff val="40000"/>
+                      </a:schemeClr>
+                    </a:gs>
+                  </a:gsLst>
+                  <a:lin ang="5400000"/>
+                </a:gradFill>
+                <a:effectLst>
+                  <a:reflection blurRad="6350" stA="53000" endA="300" endPos="35500" dir="5400000" sy="-90000" algn="bl" rotWithShape="0"/>
+                </a:effectLst>
+                <a:latin typeface="Ariston" panose="02020500000000000000" pitchFamily="18" charset="0"/>
+                <a:ea typeface="Ariston" panose="02020500000000000000" pitchFamily="18" charset="0"/>
+                <a:cs typeface="Ariston" panose="02020500000000000000" pitchFamily="18" charset="0"/>
+              </a:rPr>
+              <a:t>Cô</a:t>
+            </a:r>
+            <a:r>
+              <a:rPr lang="en-US" sz="4000" dirty="0">
+                <a:ln w="0"/>
+                <a:gradFill>
+                  <a:gsLst>
+                    <a:gs pos="0">
+                      <a:schemeClr val="accent5">
+                        <a:lumMod val="50000"/>
+                      </a:schemeClr>
+                    </a:gs>
+                    <a:gs pos="50000">
+                      <a:schemeClr val="accent5"/>
+                    </a:gs>
+                    <a:gs pos="100000">
+                      <a:schemeClr val="accent5">
+                        <a:lumMod val="60000"/>
+                        <a:lumOff val="40000"/>
+                      </a:schemeClr>
+                    </a:gs>
+                  </a:gsLst>
+                  <a:lin ang="5400000"/>
+                </a:gradFill>
+                <a:effectLst>
+                  <a:reflection blurRad="6350" stA="53000" endA="300" endPos="35500" dir="5400000" sy="-90000" algn="bl" rotWithShape="0"/>
+                </a:effectLst>
+                <a:latin typeface="Ariston" panose="02020500000000000000" pitchFamily="18" charset="0"/>
+                <a:ea typeface="Ariston" panose="02020500000000000000" pitchFamily="18" charset="0"/>
+                <a:cs typeface="Ariston" panose="02020500000000000000" pitchFamily="18" charset="0"/>
+              </a:rPr>
+              <a:t> </a:t>
+            </a:r>
+            <a:r>
+              <a:rPr lang="en-US" sz="4000" dirty="0" smtClean="0">
+                <a:ln w="0"/>
+                <a:gradFill>
+                  <a:gsLst>
+                    <a:gs pos="0">
+                      <a:schemeClr val="accent5">
+                        <a:lumMod val="50000"/>
+                      </a:schemeClr>
+                    </a:gs>
+                    <a:gs pos="50000">
+                      <a:schemeClr val="accent5"/>
+                    </a:gs>
+                    <a:gs pos="100000">
+                      <a:schemeClr val="accent5">
+                        <a:lumMod val="60000"/>
+                        <a:lumOff val="40000"/>
+                      </a:schemeClr>
+                    </a:gs>
+                  </a:gsLst>
+                  <a:lin ang="5400000"/>
+                </a:gradFill>
+                <a:effectLst>
+                  <a:reflection blurRad="6350" stA="53000" endA="300" endPos="35500" dir="5400000" sy="-90000" algn="bl" rotWithShape="0"/>
+                </a:effectLst>
+                <a:latin typeface="Ariston" panose="02020500000000000000" pitchFamily="18" charset="0"/>
+                <a:ea typeface="Ariston" panose="02020500000000000000" pitchFamily="18" charset="0"/>
+                <a:cs typeface="Ariston" panose="02020500000000000000" pitchFamily="18" charset="0"/>
+              </a:rPr>
+              <a:t/>
+            </a:r>
+            <a:br>
+              <a:rPr lang="en-US" sz="4000" dirty="0" smtClean="0">
+                <a:ln w="0"/>
+                <a:gradFill>
+                  <a:gsLst>
+                    <a:gs pos="0">
+                      <a:schemeClr val="accent5">
+                        <a:lumMod val="50000"/>
+                      </a:schemeClr>
+                    </a:gs>
+                    <a:gs pos="50000">
+                      <a:schemeClr val="accent5"/>
+                    </a:gs>
+                    <a:gs pos="100000">
+                      <a:schemeClr val="accent5">
+                        <a:lumMod val="60000"/>
+                        <a:lumOff val="40000"/>
+                      </a:schemeClr>
+                    </a:gs>
+                  </a:gsLst>
+                  <a:lin ang="5400000"/>
+                </a:gradFill>
+                <a:effectLst>
+                  <a:reflection blurRad="6350" stA="53000" endA="300" endPos="35500" dir="5400000" sy="-90000" algn="bl" rotWithShape="0"/>
+                </a:effectLst>
+                <a:latin typeface="Ariston" panose="02020500000000000000" pitchFamily="18" charset="0"/>
+                <a:ea typeface="Ariston" panose="02020500000000000000" pitchFamily="18" charset="0"/>
+                <a:cs typeface="Ariston" panose="02020500000000000000" pitchFamily="18" charset="0"/>
+              </a:rPr>
+            </a:br>
+            <a:r>
+              <a:rPr lang="en-US" sz="4000" dirty="0" err="1" smtClean="0">
+                <a:ln w="0"/>
+                <a:gradFill>
+                  <a:gsLst>
+                    <a:gs pos="0">
+                      <a:schemeClr val="accent5">
+                        <a:lumMod val="50000"/>
+                      </a:schemeClr>
+                    </a:gs>
+                    <a:gs pos="50000">
+                      <a:schemeClr val="accent5"/>
+                    </a:gs>
+                    <a:gs pos="100000">
+                      <a:schemeClr val="accent5">
+                        <a:lumMod val="60000"/>
+                        <a:lumOff val="40000"/>
+                      </a:schemeClr>
+                    </a:gs>
+                  </a:gsLst>
+                  <a:lin ang="5400000"/>
+                </a:gradFill>
+                <a:effectLst>
+                  <a:reflection blurRad="6350" stA="53000" endA="300" endPos="35500" dir="5400000" sy="-90000" algn="bl" rotWithShape="0"/>
+                </a:effectLst>
+                <a:latin typeface="Ariston" panose="02020500000000000000" pitchFamily="18" charset="0"/>
+                <a:ea typeface="Ariston" panose="02020500000000000000" pitchFamily="18" charset="0"/>
+                <a:cs typeface="Ariston" panose="02020500000000000000" pitchFamily="18" charset="0"/>
+              </a:rPr>
+              <a:t>và</a:t>
+            </a:r>
+            <a:r>
+              <a:rPr lang="en-US" sz="4000" dirty="0" smtClean="0">
+                <a:ln w="0"/>
+                <a:gradFill>
+                  <a:gsLst>
+                    <a:gs pos="0">
+                      <a:schemeClr val="accent5">
+                        <a:lumMod val="50000"/>
+                      </a:schemeClr>
+                    </a:gs>
+                    <a:gs pos="50000">
+                      <a:schemeClr val="accent5"/>
+                    </a:gs>
+                    <a:gs pos="100000">
+                      <a:schemeClr val="accent5">
+                        <a:lumMod val="60000"/>
+                        <a:lumOff val="40000"/>
+                      </a:schemeClr>
+                    </a:gs>
+                  </a:gsLst>
+                  <a:lin ang="5400000"/>
+                </a:gradFill>
+                <a:effectLst>
+                  <a:reflection blurRad="6350" stA="53000" endA="300" endPos="35500" dir="5400000" sy="-90000" algn="bl" rotWithShape="0"/>
+                </a:effectLst>
+                <a:latin typeface="Ariston" panose="02020500000000000000" pitchFamily="18" charset="0"/>
+                <a:ea typeface="Ariston" panose="02020500000000000000" pitchFamily="18" charset="0"/>
+                <a:cs typeface="Ariston" panose="02020500000000000000" pitchFamily="18" charset="0"/>
+              </a:rPr>
+              <a:t> </a:t>
+            </a:r>
+            <a:r>
+              <a:rPr lang="en-US" sz="4000" dirty="0" err="1">
+                <a:ln w="0"/>
+                <a:gradFill>
+                  <a:gsLst>
+                    <a:gs pos="0">
+                      <a:schemeClr val="accent5">
+                        <a:lumMod val="50000"/>
+                      </a:schemeClr>
+                    </a:gs>
+                    <a:gs pos="50000">
+                      <a:schemeClr val="accent5"/>
+                    </a:gs>
+                    <a:gs pos="100000">
+                      <a:schemeClr val="accent5">
+                        <a:lumMod val="60000"/>
+                        <a:lumOff val="40000"/>
+                      </a:schemeClr>
+                    </a:gs>
+                  </a:gsLst>
+                  <a:lin ang="5400000"/>
+                </a:gradFill>
+                <a:effectLst>
+                  <a:reflection blurRad="6350" stA="53000" endA="300" endPos="35500" dir="5400000" sy="-90000" algn="bl" rotWithShape="0"/>
+                </a:effectLst>
+                <a:latin typeface="Ariston" panose="02020500000000000000" pitchFamily="18" charset="0"/>
+                <a:ea typeface="Ariston" panose="02020500000000000000" pitchFamily="18" charset="0"/>
+                <a:cs typeface="Ariston" panose="02020500000000000000" pitchFamily="18" charset="0"/>
+              </a:rPr>
+              <a:t>các</a:t>
+            </a:r>
+            <a:r>
+              <a:rPr lang="en-US" sz="4000" dirty="0">
+                <a:ln w="0"/>
+                <a:gradFill>
+                  <a:gsLst>
+                    <a:gs pos="0">
+                      <a:schemeClr val="accent5">
+                        <a:lumMod val="50000"/>
+                      </a:schemeClr>
+                    </a:gs>
+                    <a:gs pos="50000">
+                      <a:schemeClr val="accent5"/>
+                    </a:gs>
+                    <a:gs pos="100000">
+                      <a:schemeClr val="accent5">
+                        <a:lumMod val="60000"/>
+                        <a:lumOff val="40000"/>
+                      </a:schemeClr>
+                    </a:gs>
+                  </a:gsLst>
+                  <a:lin ang="5400000"/>
+                </a:gradFill>
+                <a:effectLst>
+                  <a:reflection blurRad="6350" stA="53000" endA="300" endPos="35500" dir="5400000" sy="-90000" algn="bl" rotWithShape="0"/>
+                </a:effectLst>
+                <a:latin typeface="Ariston" panose="02020500000000000000" pitchFamily="18" charset="0"/>
+                <a:ea typeface="Ariston" panose="02020500000000000000" pitchFamily="18" charset="0"/>
+                <a:cs typeface="Ariston" panose="02020500000000000000" pitchFamily="18" charset="0"/>
+              </a:rPr>
+              <a:t> </a:t>
+            </a:r>
+            <a:r>
+              <a:rPr lang="en-US" sz="4000" dirty="0" err="1">
+                <a:ln w="0"/>
+                <a:gradFill>
+                  <a:gsLst>
+                    <a:gs pos="0">
+                      <a:schemeClr val="accent5">
+                        <a:lumMod val="50000"/>
+                      </a:schemeClr>
+                    </a:gs>
+                    <a:gs pos="50000">
+                      <a:schemeClr val="accent5"/>
+                    </a:gs>
+                    <a:gs pos="100000">
+                      <a:schemeClr val="accent5">
+                        <a:lumMod val="60000"/>
+                        <a:lumOff val="40000"/>
+                      </a:schemeClr>
+                    </a:gs>
+                  </a:gsLst>
+                  <a:lin ang="5400000"/>
+                </a:gradFill>
+                <a:effectLst>
+                  <a:reflection blurRad="6350" stA="53000" endA="300" endPos="35500" dir="5400000" sy="-90000" algn="bl" rotWithShape="0"/>
+                </a:effectLst>
+                <a:latin typeface="Ariston" panose="02020500000000000000" pitchFamily="18" charset="0"/>
+                <a:ea typeface="Ariston" panose="02020500000000000000" pitchFamily="18" charset="0"/>
+                <a:cs typeface="Ariston" panose="02020500000000000000" pitchFamily="18" charset="0"/>
+              </a:rPr>
+              <a:t>bạn</a:t>
+            </a:r>
+            <a:r>
+              <a:rPr lang="en-US" sz="4000" dirty="0">
+                <a:ln w="0"/>
+                <a:gradFill>
+                  <a:gsLst>
+                    <a:gs pos="0">
+                      <a:schemeClr val="accent5">
+                        <a:lumMod val="50000"/>
+                      </a:schemeClr>
+                    </a:gs>
+                    <a:gs pos="50000">
+                      <a:schemeClr val="accent5"/>
+                    </a:gs>
+                    <a:gs pos="100000">
+                      <a:schemeClr val="accent5">
+                        <a:lumMod val="60000"/>
+                        <a:lumOff val="40000"/>
+                      </a:schemeClr>
+                    </a:gs>
+                  </a:gsLst>
+                  <a:lin ang="5400000"/>
+                </a:gradFill>
+                <a:effectLst>
+                  <a:reflection blurRad="6350" stA="53000" endA="300" endPos="35500" dir="5400000" sy="-90000" algn="bl" rotWithShape="0"/>
+                </a:effectLst>
+                <a:latin typeface="Ariston" panose="02020500000000000000" pitchFamily="18" charset="0"/>
+                <a:ea typeface="Ariston" panose="02020500000000000000" pitchFamily="18" charset="0"/>
+                <a:cs typeface="Ariston" panose="02020500000000000000" pitchFamily="18" charset="0"/>
+              </a:rPr>
+              <a:t> </a:t>
+            </a:r>
+            <a:r>
+              <a:rPr lang="vi-VN" sz="4000" dirty="0">
+                <a:ln w="0"/>
+                <a:gradFill>
+                  <a:gsLst>
+                    <a:gs pos="0">
+                      <a:schemeClr val="accent5">
+                        <a:lumMod val="50000"/>
+                      </a:schemeClr>
+                    </a:gs>
+                    <a:gs pos="50000">
+                      <a:schemeClr val="accent5"/>
+                    </a:gs>
+                    <a:gs pos="100000">
+                      <a:schemeClr val="accent5">
+                        <a:lumMod val="60000"/>
+                        <a:lumOff val="40000"/>
+                      </a:schemeClr>
+                    </a:gs>
+                  </a:gsLst>
+                  <a:lin ang="5400000"/>
+                </a:gradFill>
+                <a:effectLst>
+                  <a:reflection blurRad="6350" stA="53000" endA="300" endPos="35500" dir="5400000" sy="-90000" algn="bl" rotWithShape="0"/>
+                </a:effectLst>
+                <a:latin typeface="Ariston" panose="02020500000000000000" pitchFamily="18" charset="0"/>
+                <a:ea typeface="Ariston" panose="02020500000000000000" pitchFamily="18" charset="0"/>
+                <a:cs typeface="Ariston" panose="02020500000000000000" pitchFamily="18" charset="0"/>
+              </a:rPr>
+              <a:t>đã lắng </a:t>
+            </a:r>
+            <a:r>
+              <a:rPr lang="vi-VN" sz="4000" dirty="0" smtClean="0">
+                <a:ln w="0"/>
+                <a:gradFill>
+                  <a:gsLst>
+                    <a:gs pos="0">
+                      <a:schemeClr val="accent5">
+                        <a:lumMod val="50000"/>
+                      </a:schemeClr>
+                    </a:gs>
+                    <a:gs pos="50000">
+                      <a:schemeClr val="accent5"/>
+                    </a:gs>
+                    <a:gs pos="100000">
+                      <a:schemeClr val="accent5">
+                        <a:lumMod val="60000"/>
+                        <a:lumOff val="40000"/>
+                      </a:schemeClr>
+                    </a:gs>
+                  </a:gsLst>
+                  <a:lin ang="5400000"/>
+                </a:gradFill>
+                <a:effectLst>
+                  <a:reflection blurRad="6350" stA="53000" endA="300" endPos="35500" dir="5400000" sy="-90000" algn="bl" rotWithShape="0"/>
+                </a:effectLst>
+                <a:latin typeface="Ariston" panose="02020500000000000000" pitchFamily="18" charset="0"/>
+                <a:ea typeface="Ariston" panose="02020500000000000000" pitchFamily="18" charset="0"/>
+                <a:cs typeface="Ariston" panose="02020500000000000000" pitchFamily="18" charset="0"/>
+              </a:rPr>
+              <a:t>nghe</a:t>
+            </a:r>
+            <a:r>
+              <a:rPr lang="en-US" sz="4000" dirty="0" smtClean="0">
+                <a:ln w="0"/>
+                <a:gradFill>
+                  <a:gsLst>
+                    <a:gs pos="0">
+                      <a:schemeClr val="accent5">
+                        <a:lumMod val="50000"/>
+                      </a:schemeClr>
+                    </a:gs>
+                    <a:gs pos="50000">
+                      <a:schemeClr val="accent5"/>
+                    </a:gs>
+                    <a:gs pos="100000">
+                      <a:schemeClr val="accent5">
+                        <a:lumMod val="60000"/>
+                        <a:lumOff val="40000"/>
+                      </a:schemeClr>
+                    </a:gs>
+                  </a:gsLst>
+                  <a:lin ang="5400000"/>
+                </a:gradFill>
+                <a:effectLst>
+                  <a:reflection blurRad="6350" stA="53000" endA="300" endPos="35500" dir="5400000" sy="-90000" algn="bl" rotWithShape="0"/>
+                </a:effectLst>
+                <a:latin typeface="Ariston" panose="02020500000000000000" pitchFamily="18" charset="0"/>
+                <a:ea typeface="Ariston" panose="02020500000000000000" pitchFamily="18" charset="0"/>
+                <a:cs typeface="Ariston" panose="02020500000000000000" pitchFamily="18" charset="0"/>
+              </a:rPr>
+              <a:t>!</a:t>
+            </a:r>
+            <a:endParaRPr lang="en-US" sz="4000" dirty="0">
+              <a:ln w="0"/>
+              <a:gradFill>
+                <a:gsLst>
+                  <a:gs pos="0">
+                    <a:schemeClr val="accent5">
+                      <a:lumMod val="50000"/>
+                    </a:schemeClr>
+                  </a:gs>
+                  <a:gs pos="50000">
+                    <a:schemeClr val="accent5"/>
+                  </a:gs>
+                  <a:gs pos="100000">
+                    <a:schemeClr val="accent5">
+                      <a:lumMod val="60000"/>
+                      <a:lumOff val="40000"/>
+                    </a:schemeClr>
+                  </a:gs>
+                </a:gsLst>
+                <a:lin ang="5400000"/>
+              </a:gradFill>
+              <a:effectLst>
+                <a:reflection blurRad="6350" stA="53000" endA="300" endPos="35500" dir="5400000" sy="-90000" algn="bl" rotWithShape="0"/>
+              </a:effectLst>
+              <a:latin typeface="Ariston" panose="02020500000000000000" pitchFamily="18" charset="0"/>
+              <a:ea typeface="Ariston" panose="02020500000000000000" pitchFamily="18" charset="0"/>
+              <a:cs typeface="Ariston" panose="02020500000000000000" pitchFamily="18" charset="0"/>
+            </a:endParaRPr>
           </a:p>
         </p:txBody>
       </p:sp>
     </p:spTree>
     <p:extLst>
       <p:ext uri="{BB962C8B-B14F-4D97-AF65-F5344CB8AC3E}">
-        <p14:creationId xmlns:p14="http://schemas.microsoft.com/office/powerpoint/2010/main" val="2084375292"/>
+        <p14:creationId xmlns:p14="http://schemas.microsoft.com/office/powerpoint/2010/main" val="1957705873"/>
       </p:ext>
     </p:extLst>
   </p:cSld>
   <p:clrMapOvr>
-    <a:masterClrMapping/>
+    <a:overrideClrMapping bg1="lt1" tx1="dk1" bg2="lt2" tx2="dk2" accent1="accent1" accent2="accent2" accent3="accent3" accent4="accent4" accent5="accent5" accent6="accent6" hlink="hlink" folHlink="folHlink"/>
   </p:clrMapOvr>
   <p:timing>
     <p:tnLst>
@@ -18313,44 +19074,145 @@
         </p:spPr>
         <p:txBody>
           <a:bodyPr>
-            <a:normAutofit/>
+            <a:normAutofit fontScale="92500" lnSpcReduction="20000"/>
           </a:bodyPr>
           <a:lstStyle/>
           <a:p>
+            <a:r>
+              <a:rPr lang="en-US" dirty="0"/>
+              <a:t>Tiếng Việt</a:t>
+            </a:r>
+          </a:p>
+          <a:p>
+            <a:pPr marL="457200" lvl="0" indent="-457200">
+              <a:buFont typeface="+mj-lt"/>
+              <a:buAutoNum type="arabicPeriod"/>
+            </a:pPr>
+            <a:r>
+              <a:rPr lang="en-US" b="0" dirty="0"/>
+              <a:t>Nguyễn Trọng Dũng, </a:t>
+            </a:r>
+            <a:r>
+              <a:rPr lang="en-US" b="0" i="1" dirty="0"/>
+              <a:t>Giáo trình Java – Chương 3:</a:t>
+            </a:r>
+            <a:r>
+              <a:rPr lang="en-US" b="0" dirty="0"/>
+              <a:t> </a:t>
+            </a:r>
+            <a:r>
+              <a:rPr lang="en-US" b="0" i="1" dirty="0"/>
+              <a:t>Phát triển Web Services với các công nghệ chuẩn của java</a:t>
+            </a:r>
+            <a:r>
+              <a:rPr lang="en-US" b="0" dirty="0"/>
+              <a:t> , Trường ĐHSP Hà Nội.</a:t>
+            </a:r>
+          </a:p>
+          <a:p>
+            <a:pPr marL="457200" indent="-457200">
+              <a:buFont typeface="+mj-lt"/>
+              <a:buAutoNum type="arabicPeriod"/>
+            </a:pPr>
+            <a:r>
+              <a:rPr lang="en-US" b="0" dirty="0"/>
+              <a:t>Hồ Bảo Thanh, Nguyễn Hoàng Long (2005), </a:t>
+            </a:r>
+            <a:r>
+              <a:rPr lang="en-US" b="0" i="1" dirty="0"/>
+              <a:t>Nghiên cứu kiến trúc hướng dịch vụ (Service-Oriented Architecture) và ứng dụng, </a:t>
+            </a:r>
+            <a:r>
+              <a:rPr lang="en-US" b="0" dirty="0"/>
+              <a:t>Luận văn cử nhân tin học khoa CNTT – ĐH KHTN Tp.HCM.</a:t>
+            </a:r>
+            <a:endParaRPr lang="en-US" b="0" dirty="0" smtClean="0"/>
+          </a:p>
+          <a:p>
+            <a:r>
+              <a:rPr lang="en-US" dirty="0" smtClean="0"/>
+              <a:t>Tiếng Anh</a:t>
+            </a:r>
+          </a:p>
+          <a:p>
+            <a:pPr marL="457200" lvl="0" indent="-457200">
+              <a:buFont typeface="+mj-lt"/>
+              <a:buAutoNum type="arabicPeriod" startAt="3"/>
+            </a:pPr>
+            <a:r>
+              <a:rPr lang="en-US" b="0" dirty="0"/>
+              <a:t>Abdaldhem Albreshne, Patrik Fuhrer, Jacque Pasquier Spasquier (2009), </a:t>
+            </a:r>
+            <a:r>
+              <a:rPr lang="en-US" b="0" i="1" dirty="0"/>
+              <a:t>Web Services Technologie: State of the Art,</a:t>
+            </a:r>
+            <a:r>
+              <a:rPr lang="en-US" sz="3200" b="0" dirty="0"/>
+              <a:t> </a:t>
+            </a:r>
+            <a:r>
+              <a:rPr lang="en-US" b="0" dirty="0"/>
+              <a:t>Definitions, Standards, Case Study, pp. 1-22.</a:t>
+            </a:r>
+          </a:p>
+          <a:p>
+            <a:pPr marL="457200" lvl="0" indent="-457200">
+              <a:buFont typeface="+mj-lt"/>
+              <a:buAutoNum type="arabicPeriod" startAt="3"/>
+            </a:pPr>
+            <a:r>
+              <a:rPr lang="en-US" b="0" dirty="0"/>
+              <a:t>Azad Bolour (2003), “Notes on the Eclipse Plug-in Architecture”</a:t>
+            </a:r>
+            <a:r>
+              <a:rPr lang="en-US" b="0" i="1" dirty="0"/>
+              <a:t>, </a:t>
+            </a:r>
+            <a:r>
+              <a:rPr lang="en-US" b="0" dirty="0"/>
+              <a:t>Bolour Computing, </a:t>
+            </a:r>
+            <a:r>
+              <a:rPr lang="en-US" b="0" dirty="0">
+                <a:hlinkClick r:id="rId2"/>
+              </a:rPr>
+              <a:t>http://www.eclipse.org/articles/Article-Plug-in-architecture/plugin_architecture.html</a:t>
+            </a:r>
+            <a:r>
+              <a:rPr lang="en-US" b="0" dirty="0"/>
+              <a:t>, (Ngày truy cập 4/4/2016).</a:t>
+            </a:r>
+          </a:p>
+          <a:p>
+            <a:pPr marL="622300" lvl="1" indent="-330200">
+              <a:buFont typeface="+mj-lt"/>
+              <a:buAutoNum type="arabicPeriod" startAt="3"/>
+            </a:pPr>
+            <a:endParaRPr lang="en-US" dirty="0"/>
+          </a:p>
+          <a:p>
+            <a:pPr marL="622300" lvl="1" indent="-330200">
+              <a:buFont typeface="+mj-lt"/>
+              <a:buAutoNum type="arabicPeriod" startAt="3"/>
+            </a:pPr>
+            <a:endParaRPr lang="en-US" dirty="0"/>
+          </a:p>
+          <a:p>
+            <a:endParaRPr lang="en-US" dirty="0"/>
+          </a:p>
+          <a:p>
             <a:pPr lvl="2">
               <a:lnSpc>
-                <a:spcPct val="200000"/>
+                <a:spcPct val="100000"/>
               </a:lnSpc>
             </a:pPr>
-            <a:r>
-              <a:rPr lang="en-US" dirty="0" smtClean="0"/>
-              <a:t>Bài luận văn đã </a:t>
-            </a:r>
-            <a:r>
-              <a:rPr lang="en-US" dirty="0"/>
-              <a:t>trình bày những khái niệm tổng quan về công nghệ Web Services, những ưu điểm của công nghệ này trong việc giải quyết bài toán tích hợp giữa các hệ thống, cũng như khả năng ứng dụng của nó trong việc xây dựng mô hình kiến trúc hướng dịch vụ. </a:t>
-            </a:r>
-            <a:endParaRPr lang="en-US" dirty="0" smtClean="0"/>
+            <a:endParaRPr lang="en-US" dirty="0"/>
           </a:p>
           <a:p>
             <a:pPr lvl="2">
               <a:lnSpc>
-                <a:spcPct val="200000"/>
-              </a:lnSpc>
-            </a:pPr>
-            <a:r>
-              <a:rPr lang="en-US" dirty="0" smtClean="0"/>
-              <a:t>Bài </a:t>
-            </a:r>
-            <a:r>
-              <a:rPr lang="en-US" dirty="0"/>
-              <a:t>luận văn cũng đã xây dựng được một hệ thống plug-in dựa trên công nghệ Eclipse để có thể triển khai lập trình ứng dụng theo kiến trúc hướng dịch vụ.</a:t>
-            </a:r>
-          </a:p>
-          <a:p>
-            <a:pPr lvl="2">
-              <a:lnSpc>
-                <a:spcPct val="200000"/>
+                <a:spcPct val="100000"/>
               </a:lnSpc>
             </a:pPr>
             <a:endParaRPr lang="en-US" dirty="0"/>
@@ -18387,7 +19249,7 @@
           <a:p>
             <a:r>
               <a:rPr lang="en-US" dirty="0" smtClean="0"/>
-              <a:t>Kết luận</a:t>
+              <a:t>Tài liệu tham khảo</a:t>
             </a:r>
             <a:endParaRPr lang="en-US" dirty="0"/>
           </a:p>
@@ -18396,7 +19258,7 @@
     </p:spTree>
     <p:extLst>
       <p:ext uri="{BB962C8B-B14F-4D97-AF65-F5344CB8AC3E}">
-        <p14:creationId xmlns:p14="http://schemas.microsoft.com/office/powerpoint/2010/main" val="1997370528"/>
+        <p14:creationId xmlns:p14="http://schemas.microsoft.com/office/powerpoint/2010/main" val="3044689421"/>
       </p:ext>
     </p:extLst>
   </p:cSld>
@@ -18472,1373 +19334,6 @@
         </p:spPr>
         <p:txBody>
           <a:bodyPr>
-            <a:normAutofit/>
-          </a:bodyPr>
-          <a:lstStyle/>
-          <a:p>
-            <a:pPr lvl="2">
-              <a:lnSpc>
-                <a:spcPct val="200000"/>
-              </a:lnSpc>
-            </a:pPr>
-            <a:r>
-              <a:rPr lang="en-US" dirty="0" smtClean="0"/>
-              <a:t>Hướng </a:t>
-            </a:r>
-            <a:r>
-              <a:rPr lang="en-US" dirty="0"/>
-              <a:t>nghiên cứu tiếp theo của luận văn là tiếp tục hoàn thiện hơn nữa hệ thống plug-in, thử nghiệm với nhiều Web Services phức tạp hơn nữa, đồng thời nghiên cứu tăng cường khả năng bảo mật.</a:t>
-            </a:r>
-          </a:p>
-          <a:p>
-            <a:pPr lvl="2">
-              <a:lnSpc>
-                <a:spcPct val="200000"/>
-              </a:lnSpc>
-            </a:pPr>
-            <a:endParaRPr lang="en-US" sz="2800" dirty="0"/>
-          </a:p>
-          <a:p>
-            <a:endParaRPr lang="en-US" dirty="0"/>
-          </a:p>
-        </p:txBody>
-      </p:sp>
-      <p:sp>
-        <p:nvSpPr>
-          <p:cNvPr id="4" name="Title 3"/>
-          <p:cNvSpPr>
-            <a:spLocks noGrp="1"/>
-          </p:cNvSpPr>
-          <p:nvPr>
-            <p:ph type="title"/>
-          </p:nvPr>
-        </p:nvSpPr>
-        <p:spPr/>
-        <p:txBody>
-          <a:bodyPr>
-            <a:normAutofit/>
-          </a:bodyPr>
-          <a:lstStyle/>
-          <a:p>
-            <a:r>
-              <a:rPr lang="en-US" dirty="0" smtClean="0"/>
-              <a:t>Kết luận</a:t>
-            </a:r>
-            <a:endParaRPr lang="en-US" dirty="0"/>
-          </a:p>
-        </p:txBody>
-      </p:sp>
-    </p:spTree>
-    <p:extLst>
-      <p:ext uri="{BB962C8B-B14F-4D97-AF65-F5344CB8AC3E}">
-        <p14:creationId xmlns:p14="http://schemas.microsoft.com/office/powerpoint/2010/main" val="3886648802"/>
-      </p:ext>
-    </p:extLst>
-  </p:cSld>
-  <p:clrMapOvr>
-    <a:masterClrMapping/>
-  </p:clrMapOvr>
-  <p:timing>
-    <p:tnLst>
-      <p:par>
-        <p:cTn id="1" dur="indefinite" restart="never" nodeType="tmRoot"/>
-      </p:par>
-    </p:tnLst>
-  </p:timing>
-</p:sld>
-</file>
-
-<file path=ppt/slides/slide35.xml><?xml version="1.0" encoding="utf-8"?>
-<p:sld xmlns:a="http://schemas.openxmlformats.org/drawingml/2006/main" xmlns:r="http://schemas.openxmlformats.org/officeDocument/2006/relationships" xmlns:p="http://schemas.openxmlformats.org/presentationml/2006/main">
-  <p:cSld>
-    <p:bg>
-      <p:bgPr>
-        <a:blipFill dpi="0" rotWithShape="1">
-          <a:blip r:embed="rId3">
-            <a:lum/>
-          </a:blip>
-          <a:srcRect/>
-          <a:stretch>
-            <a:fillRect t="-21000" b="-21000"/>
-          </a:stretch>
-        </a:blipFill>
-        <a:effectLst/>
-      </p:bgPr>
-    </p:bg>
-    <p:spTree>
-      <p:nvGrpSpPr>
-        <p:cNvPr id="1" name=""/>
-        <p:cNvGrpSpPr/>
-        <p:nvPr/>
-      </p:nvGrpSpPr>
-      <p:grpSpPr>
-        <a:xfrm>
-          <a:off x="0" y="0"/>
-          <a:ext cx="0" cy="0"/>
-          <a:chOff x="0" y="0"/>
-          <a:chExt cx="0" cy="0"/>
-        </a:xfrm>
-      </p:grpSpPr>
-      <p:sp>
-        <p:nvSpPr>
-          <p:cNvPr id="2" name="Title 1"/>
-          <p:cNvSpPr>
-            <a:spLocks noGrp="1"/>
-          </p:cNvSpPr>
-          <p:nvPr>
-            <p:ph type="title"/>
-          </p:nvPr>
-        </p:nvSpPr>
-        <p:spPr>
-          <a:xfrm>
-            <a:off x="0" y="365129"/>
-            <a:ext cx="9144000" cy="5768389"/>
-          </a:xfrm>
-        </p:spPr>
-        <p:txBody>
-          <a:bodyPr>
-            <a:normAutofit/>
-          </a:bodyPr>
-          <a:lstStyle/>
-          <a:p>
-            <a:pPr algn="ctr"/>
-            <a:r>
-              <a:rPr lang="en-US" sz="4000" dirty="0" err="1">
-                <a:ln w="0"/>
-                <a:gradFill>
-                  <a:gsLst>
-                    <a:gs pos="0">
-                      <a:schemeClr val="accent5">
-                        <a:lumMod val="50000"/>
-                      </a:schemeClr>
-                    </a:gs>
-                    <a:gs pos="50000">
-                      <a:schemeClr val="accent5"/>
-                    </a:gs>
-                    <a:gs pos="100000">
-                      <a:schemeClr val="accent5">
-                        <a:lumMod val="60000"/>
-                        <a:lumOff val="40000"/>
-                      </a:schemeClr>
-                    </a:gs>
-                  </a:gsLst>
-                  <a:lin ang="5400000"/>
-                </a:gradFill>
-                <a:effectLst>
-                  <a:reflection blurRad="6350" stA="53000" endA="300" endPos="35500" dir="5400000" sy="-90000" algn="bl" rotWithShape="0"/>
-                </a:effectLst>
-                <a:latin typeface="Ariston" panose="02020500000000000000" pitchFamily="18" charset="0"/>
-                <a:ea typeface="Ariston" panose="02020500000000000000" pitchFamily="18" charset="0"/>
-                <a:cs typeface="Ariston" panose="02020500000000000000" pitchFamily="18" charset="0"/>
-              </a:rPr>
-              <a:t>X</a:t>
-            </a:r>
-            <a:r>
-              <a:rPr lang="en-US" sz="4000" dirty="0" err="1" smtClean="0">
-                <a:ln w="0"/>
-                <a:gradFill>
-                  <a:gsLst>
-                    <a:gs pos="0">
-                      <a:schemeClr val="accent5">
-                        <a:lumMod val="50000"/>
-                      </a:schemeClr>
-                    </a:gs>
-                    <a:gs pos="50000">
-                      <a:schemeClr val="accent5"/>
-                    </a:gs>
-                    <a:gs pos="100000">
-                      <a:schemeClr val="accent5">
-                        <a:lumMod val="60000"/>
-                        <a:lumOff val="40000"/>
-                      </a:schemeClr>
-                    </a:gs>
-                  </a:gsLst>
-                  <a:lin ang="5400000"/>
-                </a:gradFill>
-                <a:effectLst>
-                  <a:reflection blurRad="6350" stA="53000" endA="300" endPos="35500" dir="5400000" sy="-90000" algn="bl" rotWithShape="0"/>
-                </a:effectLst>
-                <a:latin typeface="Ariston" panose="02020500000000000000" pitchFamily="18" charset="0"/>
-                <a:ea typeface="Ariston" panose="02020500000000000000" pitchFamily="18" charset="0"/>
-                <a:cs typeface="Ariston" panose="02020500000000000000" pitchFamily="18" charset="0"/>
-              </a:rPr>
-              <a:t>in</a:t>
-            </a:r>
-            <a:r>
-              <a:rPr lang="en-US" sz="4000" dirty="0" smtClean="0">
-                <a:ln w="0"/>
-                <a:gradFill>
-                  <a:gsLst>
-                    <a:gs pos="0">
-                      <a:schemeClr val="accent5">
-                        <a:lumMod val="50000"/>
-                      </a:schemeClr>
-                    </a:gs>
-                    <a:gs pos="50000">
-                      <a:schemeClr val="accent5"/>
-                    </a:gs>
-                    <a:gs pos="100000">
-                      <a:schemeClr val="accent5">
-                        <a:lumMod val="60000"/>
-                        <a:lumOff val="40000"/>
-                      </a:schemeClr>
-                    </a:gs>
-                  </a:gsLst>
-                  <a:lin ang="5400000"/>
-                </a:gradFill>
-                <a:effectLst>
-                  <a:reflection blurRad="6350" stA="53000" endA="300" endPos="35500" dir="5400000" sy="-90000" algn="bl" rotWithShape="0"/>
-                </a:effectLst>
-                <a:latin typeface="Ariston" panose="02020500000000000000" pitchFamily="18" charset="0"/>
-                <a:ea typeface="Ariston" panose="02020500000000000000" pitchFamily="18" charset="0"/>
-                <a:cs typeface="Ariston" panose="02020500000000000000" pitchFamily="18" charset="0"/>
-              </a:rPr>
-              <a:t> </a:t>
-            </a:r>
-            <a:r>
-              <a:rPr lang="en-US" sz="4000" dirty="0" err="1">
-                <a:ln w="0"/>
-                <a:gradFill>
-                  <a:gsLst>
-                    <a:gs pos="0">
-                      <a:schemeClr val="accent5">
-                        <a:lumMod val="50000"/>
-                      </a:schemeClr>
-                    </a:gs>
-                    <a:gs pos="50000">
-                      <a:schemeClr val="accent5"/>
-                    </a:gs>
-                    <a:gs pos="100000">
-                      <a:schemeClr val="accent5">
-                        <a:lumMod val="60000"/>
-                        <a:lumOff val="40000"/>
-                      </a:schemeClr>
-                    </a:gs>
-                  </a:gsLst>
-                  <a:lin ang="5400000"/>
-                </a:gradFill>
-                <a:effectLst>
-                  <a:reflection blurRad="6350" stA="53000" endA="300" endPos="35500" dir="5400000" sy="-90000" algn="bl" rotWithShape="0"/>
-                </a:effectLst>
-                <a:latin typeface="Ariston" panose="02020500000000000000" pitchFamily="18" charset="0"/>
-                <a:ea typeface="Ariston" panose="02020500000000000000" pitchFamily="18" charset="0"/>
-                <a:cs typeface="Ariston" panose="02020500000000000000" pitchFamily="18" charset="0"/>
-              </a:rPr>
-              <a:t>chân</a:t>
-            </a:r>
-            <a:r>
-              <a:rPr lang="en-US" sz="4000" dirty="0">
-                <a:ln w="0"/>
-                <a:gradFill>
-                  <a:gsLst>
-                    <a:gs pos="0">
-                      <a:schemeClr val="accent5">
-                        <a:lumMod val="50000"/>
-                      </a:schemeClr>
-                    </a:gs>
-                    <a:gs pos="50000">
-                      <a:schemeClr val="accent5"/>
-                    </a:gs>
-                    <a:gs pos="100000">
-                      <a:schemeClr val="accent5">
-                        <a:lumMod val="60000"/>
-                        <a:lumOff val="40000"/>
-                      </a:schemeClr>
-                    </a:gs>
-                  </a:gsLst>
-                  <a:lin ang="5400000"/>
-                </a:gradFill>
-                <a:effectLst>
-                  <a:reflection blurRad="6350" stA="53000" endA="300" endPos="35500" dir="5400000" sy="-90000" algn="bl" rotWithShape="0"/>
-                </a:effectLst>
-                <a:latin typeface="Ariston" panose="02020500000000000000" pitchFamily="18" charset="0"/>
-                <a:ea typeface="Ariston" panose="02020500000000000000" pitchFamily="18" charset="0"/>
-                <a:cs typeface="Ariston" panose="02020500000000000000" pitchFamily="18" charset="0"/>
-              </a:rPr>
-              <a:t> </a:t>
-            </a:r>
-            <a:r>
-              <a:rPr lang="en-US" sz="4000" dirty="0" err="1">
-                <a:ln w="0"/>
-                <a:gradFill>
-                  <a:gsLst>
-                    <a:gs pos="0">
-                      <a:schemeClr val="accent5">
-                        <a:lumMod val="50000"/>
-                      </a:schemeClr>
-                    </a:gs>
-                    <a:gs pos="50000">
-                      <a:schemeClr val="accent5"/>
-                    </a:gs>
-                    <a:gs pos="100000">
-                      <a:schemeClr val="accent5">
-                        <a:lumMod val="60000"/>
-                        <a:lumOff val="40000"/>
-                      </a:schemeClr>
-                    </a:gs>
-                  </a:gsLst>
-                  <a:lin ang="5400000"/>
-                </a:gradFill>
-                <a:effectLst>
-                  <a:reflection blurRad="6350" stA="53000" endA="300" endPos="35500" dir="5400000" sy="-90000" algn="bl" rotWithShape="0"/>
-                </a:effectLst>
-                <a:latin typeface="Ariston" panose="02020500000000000000" pitchFamily="18" charset="0"/>
-                <a:ea typeface="Ariston" panose="02020500000000000000" pitchFamily="18" charset="0"/>
-                <a:cs typeface="Ariston" panose="02020500000000000000" pitchFamily="18" charset="0"/>
-              </a:rPr>
-              <a:t>thành</a:t>
-            </a:r>
-            <a:r>
-              <a:rPr lang="en-US" sz="4000" dirty="0">
-                <a:ln w="0"/>
-                <a:gradFill>
-                  <a:gsLst>
-                    <a:gs pos="0">
-                      <a:schemeClr val="accent5">
-                        <a:lumMod val="50000"/>
-                      </a:schemeClr>
-                    </a:gs>
-                    <a:gs pos="50000">
-                      <a:schemeClr val="accent5"/>
-                    </a:gs>
-                    <a:gs pos="100000">
-                      <a:schemeClr val="accent5">
-                        <a:lumMod val="60000"/>
-                        <a:lumOff val="40000"/>
-                      </a:schemeClr>
-                    </a:gs>
-                  </a:gsLst>
-                  <a:lin ang="5400000"/>
-                </a:gradFill>
-                <a:effectLst>
-                  <a:reflection blurRad="6350" stA="53000" endA="300" endPos="35500" dir="5400000" sy="-90000" algn="bl" rotWithShape="0"/>
-                </a:effectLst>
-                <a:latin typeface="Ariston" panose="02020500000000000000" pitchFamily="18" charset="0"/>
-                <a:ea typeface="Ariston" panose="02020500000000000000" pitchFamily="18" charset="0"/>
-                <a:cs typeface="Ariston" panose="02020500000000000000" pitchFamily="18" charset="0"/>
-              </a:rPr>
-              <a:t> </a:t>
-            </a:r>
-            <a:r>
-              <a:rPr lang="en-US" sz="4000" dirty="0" err="1">
-                <a:ln w="0"/>
-                <a:gradFill>
-                  <a:gsLst>
-                    <a:gs pos="0">
-                      <a:schemeClr val="accent5">
-                        <a:lumMod val="50000"/>
-                      </a:schemeClr>
-                    </a:gs>
-                    <a:gs pos="50000">
-                      <a:schemeClr val="accent5"/>
-                    </a:gs>
-                    <a:gs pos="100000">
-                      <a:schemeClr val="accent5">
-                        <a:lumMod val="60000"/>
-                        <a:lumOff val="40000"/>
-                      </a:schemeClr>
-                    </a:gs>
-                  </a:gsLst>
-                  <a:lin ang="5400000"/>
-                </a:gradFill>
-                <a:effectLst>
-                  <a:reflection blurRad="6350" stA="53000" endA="300" endPos="35500" dir="5400000" sy="-90000" algn="bl" rotWithShape="0"/>
-                </a:effectLst>
-                <a:latin typeface="Ariston" panose="02020500000000000000" pitchFamily="18" charset="0"/>
-                <a:ea typeface="Ariston" panose="02020500000000000000" pitchFamily="18" charset="0"/>
-                <a:cs typeface="Ariston" panose="02020500000000000000" pitchFamily="18" charset="0"/>
-              </a:rPr>
-              <a:t>cảm</a:t>
-            </a:r>
-            <a:r>
-              <a:rPr lang="en-US" sz="4000" dirty="0">
-                <a:ln w="0"/>
-                <a:gradFill>
-                  <a:gsLst>
-                    <a:gs pos="0">
-                      <a:schemeClr val="accent5">
-                        <a:lumMod val="50000"/>
-                      </a:schemeClr>
-                    </a:gs>
-                    <a:gs pos="50000">
-                      <a:schemeClr val="accent5"/>
-                    </a:gs>
-                    <a:gs pos="100000">
-                      <a:schemeClr val="accent5">
-                        <a:lumMod val="60000"/>
-                        <a:lumOff val="40000"/>
-                      </a:schemeClr>
-                    </a:gs>
-                  </a:gsLst>
-                  <a:lin ang="5400000"/>
-                </a:gradFill>
-                <a:effectLst>
-                  <a:reflection blurRad="6350" stA="53000" endA="300" endPos="35500" dir="5400000" sy="-90000" algn="bl" rotWithShape="0"/>
-                </a:effectLst>
-                <a:latin typeface="Ariston" panose="02020500000000000000" pitchFamily="18" charset="0"/>
-                <a:ea typeface="Ariston" panose="02020500000000000000" pitchFamily="18" charset="0"/>
-                <a:cs typeface="Ariston" panose="02020500000000000000" pitchFamily="18" charset="0"/>
-              </a:rPr>
-              <a:t> </a:t>
-            </a:r>
-            <a:r>
-              <a:rPr lang="vi-VN" sz="4000" dirty="0">
-                <a:ln w="0"/>
-                <a:gradFill>
-                  <a:gsLst>
-                    <a:gs pos="0">
-                      <a:schemeClr val="accent5">
-                        <a:lumMod val="50000"/>
-                      </a:schemeClr>
-                    </a:gs>
-                    <a:gs pos="50000">
-                      <a:schemeClr val="accent5"/>
-                    </a:gs>
-                    <a:gs pos="100000">
-                      <a:schemeClr val="accent5">
-                        <a:lumMod val="60000"/>
-                        <a:lumOff val="40000"/>
-                      </a:schemeClr>
-                    </a:gs>
-                  </a:gsLst>
-                  <a:lin ang="5400000"/>
-                </a:gradFill>
-                <a:effectLst>
-                  <a:reflection blurRad="6350" stA="53000" endA="300" endPos="35500" dir="5400000" sy="-90000" algn="bl" rotWithShape="0"/>
-                </a:effectLst>
-                <a:latin typeface="Ariston" panose="02020500000000000000" pitchFamily="18" charset="0"/>
-                <a:ea typeface="Ariston" panose="02020500000000000000" pitchFamily="18" charset="0"/>
-                <a:cs typeface="Ariston" panose="02020500000000000000" pitchFamily="18" charset="0"/>
-              </a:rPr>
-              <a:t>ơ</a:t>
-            </a:r>
-            <a:r>
-              <a:rPr lang="en-US" sz="4000" dirty="0">
-                <a:ln w="0"/>
-                <a:gradFill>
-                  <a:gsLst>
-                    <a:gs pos="0">
-                      <a:schemeClr val="accent5">
-                        <a:lumMod val="50000"/>
-                      </a:schemeClr>
-                    </a:gs>
-                    <a:gs pos="50000">
-                      <a:schemeClr val="accent5"/>
-                    </a:gs>
-                    <a:gs pos="100000">
-                      <a:schemeClr val="accent5">
-                        <a:lumMod val="60000"/>
-                        <a:lumOff val="40000"/>
-                      </a:schemeClr>
-                    </a:gs>
-                  </a:gsLst>
-                  <a:lin ang="5400000"/>
-                </a:gradFill>
-                <a:effectLst>
-                  <a:reflection blurRad="6350" stA="53000" endA="300" endPos="35500" dir="5400000" sy="-90000" algn="bl" rotWithShape="0"/>
-                </a:effectLst>
-                <a:latin typeface="Ariston" panose="02020500000000000000" pitchFamily="18" charset="0"/>
-                <a:ea typeface="Ariston" panose="02020500000000000000" pitchFamily="18" charset="0"/>
-                <a:cs typeface="Ariston" panose="02020500000000000000" pitchFamily="18" charset="0"/>
-              </a:rPr>
-              <a:t>n </a:t>
-            </a:r>
-            <a:r>
-              <a:rPr lang="en-US" sz="4000" dirty="0" err="1" smtClean="0">
-                <a:ln w="0"/>
-                <a:gradFill>
-                  <a:gsLst>
-                    <a:gs pos="0">
-                      <a:schemeClr val="accent5">
-                        <a:lumMod val="50000"/>
-                      </a:schemeClr>
-                    </a:gs>
-                    <a:gs pos="50000">
-                      <a:schemeClr val="accent5"/>
-                    </a:gs>
-                    <a:gs pos="100000">
-                      <a:schemeClr val="accent5">
-                        <a:lumMod val="60000"/>
-                        <a:lumOff val="40000"/>
-                      </a:schemeClr>
-                    </a:gs>
-                  </a:gsLst>
-                  <a:lin ang="5400000"/>
-                </a:gradFill>
-                <a:effectLst>
-                  <a:reflection blurRad="6350" stA="53000" endA="300" endPos="35500" dir="5400000" sy="-90000" algn="bl" rotWithShape="0"/>
-                </a:effectLst>
-                <a:latin typeface="Ariston" panose="02020500000000000000" pitchFamily="18" charset="0"/>
-                <a:ea typeface="Ariston" panose="02020500000000000000" pitchFamily="18" charset="0"/>
-                <a:cs typeface="Ariston" panose="02020500000000000000" pitchFamily="18" charset="0"/>
-              </a:rPr>
-              <a:t>quý</a:t>
-            </a:r>
-            <a:r>
-              <a:rPr lang="en-US" sz="4000" dirty="0" smtClean="0">
-                <a:ln w="0"/>
-                <a:gradFill>
-                  <a:gsLst>
-                    <a:gs pos="0">
-                      <a:schemeClr val="accent5">
-                        <a:lumMod val="50000"/>
-                      </a:schemeClr>
-                    </a:gs>
-                    <a:gs pos="50000">
-                      <a:schemeClr val="accent5"/>
-                    </a:gs>
-                    <a:gs pos="100000">
-                      <a:schemeClr val="accent5">
-                        <a:lumMod val="60000"/>
-                        <a:lumOff val="40000"/>
-                      </a:schemeClr>
-                    </a:gs>
-                  </a:gsLst>
-                  <a:lin ang="5400000"/>
-                </a:gradFill>
-                <a:effectLst>
-                  <a:reflection blurRad="6350" stA="53000" endA="300" endPos="35500" dir="5400000" sy="-90000" algn="bl" rotWithShape="0"/>
-                </a:effectLst>
-                <a:latin typeface="Ariston" panose="02020500000000000000" pitchFamily="18" charset="0"/>
-                <a:ea typeface="Ariston" panose="02020500000000000000" pitchFamily="18" charset="0"/>
-                <a:cs typeface="Ariston" panose="02020500000000000000" pitchFamily="18" charset="0"/>
-              </a:rPr>
-              <a:t> </a:t>
-            </a:r>
-            <a:r>
-              <a:rPr lang="en-US" sz="4000" dirty="0" err="1">
-                <a:ln w="0"/>
-                <a:gradFill>
-                  <a:gsLst>
-                    <a:gs pos="0">
-                      <a:schemeClr val="accent5">
-                        <a:lumMod val="50000"/>
-                      </a:schemeClr>
-                    </a:gs>
-                    <a:gs pos="50000">
-                      <a:schemeClr val="accent5"/>
-                    </a:gs>
-                    <a:gs pos="100000">
-                      <a:schemeClr val="accent5">
-                        <a:lumMod val="60000"/>
-                        <a:lumOff val="40000"/>
-                      </a:schemeClr>
-                    </a:gs>
-                  </a:gsLst>
-                  <a:lin ang="5400000"/>
-                </a:gradFill>
-                <a:effectLst>
-                  <a:reflection blurRad="6350" stA="53000" endA="300" endPos="35500" dir="5400000" sy="-90000" algn="bl" rotWithShape="0"/>
-                </a:effectLst>
-                <a:latin typeface="Ariston" panose="02020500000000000000" pitchFamily="18" charset="0"/>
-                <a:ea typeface="Ariston" panose="02020500000000000000" pitchFamily="18" charset="0"/>
-                <a:cs typeface="Ariston" panose="02020500000000000000" pitchFamily="18" charset="0"/>
-              </a:rPr>
-              <a:t>Thầy</a:t>
-            </a:r>
-            <a:r>
-              <a:rPr lang="en-US" sz="4000" dirty="0">
-                <a:ln w="0"/>
-                <a:gradFill>
-                  <a:gsLst>
-                    <a:gs pos="0">
-                      <a:schemeClr val="accent5">
-                        <a:lumMod val="50000"/>
-                      </a:schemeClr>
-                    </a:gs>
-                    <a:gs pos="50000">
-                      <a:schemeClr val="accent5"/>
-                    </a:gs>
-                    <a:gs pos="100000">
-                      <a:schemeClr val="accent5">
-                        <a:lumMod val="60000"/>
-                        <a:lumOff val="40000"/>
-                      </a:schemeClr>
-                    </a:gs>
-                  </a:gsLst>
-                  <a:lin ang="5400000"/>
-                </a:gradFill>
-                <a:effectLst>
-                  <a:reflection blurRad="6350" stA="53000" endA="300" endPos="35500" dir="5400000" sy="-90000" algn="bl" rotWithShape="0"/>
-                </a:effectLst>
-                <a:latin typeface="Ariston" panose="02020500000000000000" pitchFamily="18" charset="0"/>
-                <a:ea typeface="Ariston" panose="02020500000000000000" pitchFamily="18" charset="0"/>
-                <a:cs typeface="Ariston" panose="02020500000000000000" pitchFamily="18" charset="0"/>
-              </a:rPr>
-              <a:t> </a:t>
-            </a:r>
-            <a:r>
-              <a:rPr lang="en-US" sz="4000" dirty="0" err="1">
-                <a:ln w="0"/>
-                <a:gradFill>
-                  <a:gsLst>
-                    <a:gs pos="0">
-                      <a:schemeClr val="accent5">
-                        <a:lumMod val="50000"/>
-                      </a:schemeClr>
-                    </a:gs>
-                    <a:gs pos="50000">
-                      <a:schemeClr val="accent5"/>
-                    </a:gs>
-                    <a:gs pos="100000">
-                      <a:schemeClr val="accent5">
-                        <a:lumMod val="60000"/>
-                        <a:lumOff val="40000"/>
-                      </a:schemeClr>
-                    </a:gs>
-                  </a:gsLst>
-                  <a:lin ang="5400000"/>
-                </a:gradFill>
-                <a:effectLst>
-                  <a:reflection blurRad="6350" stA="53000" endA="300" endPos="35500" dir="5400000" sy="-90000" algn="bl" rotWithShape="0"/>
-                </a:effectLst>
-                <a:latin typeface="Ariston" panose="02020500000000000000" pitchFamily="18" charset="0"/>
-                <a:ea typeface="Ariston" panose="02020500000000000000" pitchFamily="18" charset="0"/>
-                <a:cs typeface="Ariston" panose="02020500000000000000" pitchFamily="18" charset="0"/>
-              </a:rPr>
-              <a:t>Cô</a:t>
-            </a:r>
-            <a:r>
-              <a:rPr lang="en-US" sz="4000" dirty="0">
-                <a:ln w="0"/>
-                <a:gradFill>
-                  <a:gsLst>
-                    <a:gs pos="0">
-                      <a:schemeClr val="accent5">
-                        <a:lumMod val="50000"/>
-                      </a:schemeClr>
-                    </a:gs>
-                    <a:gs pos="50000">
-                      <a:schemeClr val="accent5"/>
-                    </a:gs>
-                    <a:gs pos="100000">
-                      <a:schemeClr val="accent5">
-                        <a:lumMod val="60000"/>
-                        <a:lumOff val="40000"/>
-                      </a:schemeClr>
-                    </a:gs>
-                  </a:gsLst>
-                  <a:lin ang="5400000"/>
-                </a:gradFill>
-                <a:effectLst>
-                  <a:reflection blurRad="6350" stA="53000" endA="300" endPos="35500" dir="5400000" sy="-90000" algn="bl" rotWithShape="0"/>
-                </a:effectLst>
-                <a:latin typeface="Ariston" panose="02020500000000000000" pitchFamily="18" charset="0"/>
-                <a:ea typeface="Ariston" panose="02020500000000000000" pitchFamily="18" charset="0"/>
-                <a:cs typeface="Ariston" panose="02020500000000000000" pitchFamily="18" charset="0"/>
-              </a:rPr>
-              <a:t> </a:t>
-            </a:r>
-            <a:r>
-              <a:rPr lang="en-US" sz="4000" dirty="0" smtClean="0">
-                <a:ln w="0"/>
-                <a:gradFill>
-                  <a:gsLst>
-                    <a:gs pos="0">
-                      <a:schemeClr val="accent5">
-                        <a:lumMod val="50000"/>
-                      </a:schemeClr>
-                    </a:gs>
-                    <a:gs pos="50000">
-                      <a:schemeClr val="accent5"/>
-                    </a:gs>
-                    <a:gs pos="100000">
-                      <a:schemeClr val="accent5">
-                        <a:lumMod val="60000"/>
-                        <a:lumOff val="40000"/>
-                      </a:schemeClr>
-                    </a:gs>
-                  </a:gsLst>
-                  <a:lin ang="5400000"/>
-                </a:gradFill>
-                <a:effectLst>
-                  <a:reflection blurRad="6350" stA="53000" endA="300" endPos="35500" dir="5400000" sy="-90000" algn="bl" rotWithShape="0"/>
-                </a:effectLst>
-                <a:latin typeface="Ariston" panose="02020500000000000000" pitchFamily="18" charset="0"/>
-                <a:ea typeface="Ariston" panose="02020500000000000000" pitchFamily="18" charset="0"/>
-                <a:cs typeface="Ariston" panose="02020500000000000000" pitchFamily="18" charset="0"/>
-              </a:rPr>
-              <a:t/>
-            </a:r>
-            <a:br>
-              <a:rPr lang="en-US" sz="4000" dirty="0" smtClean="0">
-                <a:ln w="0"/>
-                <a:gradFill>
-                  <a:gsLst>
-                    <a:gs pos="0">
-                      <a:schemeClr val="accent5">
-                        <a:lumMod val="50000"/>
-                      </a:schemeClr>
-                    </a:gs>
-                    <a:gs pos="50000">
-                      <a:schemeClr val="accent5"/>
-                    </a:gs>
-                    <a:gs pos="100000">
-                      <a:schemeClr val="accent5">
-                        <a:lumMod val="60000"/>
-                        <a:lumOff val="40000"/>
-                      </a:schemeClr>
-                    </a:gs>
-                  </a:gsLst>
-                  <a:lin ang="5400000"/>
-                </a:gradFill>
-                <a:effectLst>
-                  <a:reflection blurRad="6350" stA="53000" endA="300" endPos="35500" dir="5400000" sy="-90000" algn="bl" rotWithShape="0"/>
-                </a:effectLst>
-                <a:latin typeface="Ariston" panose="02020500000000000000" pitchFamily="18" charset="0"/>
-                <a:ea typeface="Ariston" panose="02020500000000000000" pitchFamily="18" charset="0"/>
-                <a:cs typeface="Ariston" panose="02020500000000000000" pitchFamily="18" charset="0"/>
-              </a:rPr>
-            </a:br>
-            <a:r>
-              <a:rPr lang="en-US" sz="4000" dirty="0" err="1" smtClean="0">
-                <a:ln w="0"/>
-                <a:gradFill>
-                  <a:gsLst>
-                    <a:gs pos="0">
-                      <a:schemeClr val="accent5">
-                        <a:lumMod val="50000"/>
-                      </a:schemeClr>
-                    </a:gs>
-                    <a:gs pos="50000">
-                      <a:schemeClr val="accent5"/>
-                    </a:gs>
-                    <a:gs pos="100000">
-                      <a:schemeClr val="accent5">
-                        <a:lumMod val="60000"/>
-                        <a:lumOff val="40000"/>
-                      </a:schemeClr>
-                    </a:gs>
-                  </a:gsLst>
-                  <a:lin ang="5400000"/>
-                </a:gradFill>
-                <a:effectLst>
-                  <a:reflection blurRad="6350" stA="53000" endA="300" endPos="35500" dir="5400000" sy="-90000" algn="bl" rotWithShape="0"/>
-                </a:effectLst>
-                <a:latin typeface="Ariston" panose="02020500000000000000" pitchFamily="18" charset="0"/>
-                <a:ea typeface="Ariston" panose="02020500000000000000" pitchFamily="18" charset="0"/>
-                <a:cs typeface="Ariston" panose="02020500000000000000" pitchFamily="18" charset="0"/>
-              </a:rPr>
-              <a:t>và</a:t>
-            </a:r>
-            <a:r>
-              <a:rPr lang="en-US" sz="4000" dirty="0" smtClean="0">
-                <a:ln w="0"/>
-                <a:gradFill>
-                  <a:gsLst>
-                    <a:gs pos="0">
-                      <a:schemeClr val="accent5">
-                        <a:lumMod val="50000"/>
-                      </a:schemeClr>
-                    </a:gs>
-                    <a:gs pos="50000">
-                      <a:schemeClr val="accent5"/>
-                    </a:gs>
-                    <a:gs pos="100000">
-                      <a:schemeClr val="accent5">
-                        <a:lumMod val="60000"/>
-                        <a:lumOff val="40000"/>
-                      </a:schemeClr>
-                    </a:gs>
-                  </a:gsLst>
-                  <a:lin ang="5400000"/>
-                </a:gradFill>
-                <a:effectLst>
-                  <a:reflection blurRad="6350" stA="53000" endA="300" endPos="35500" dir="5400000" sy="-90000" algn="bl" rotWithShape="0"/>
-                </a:effectLst>
-                <a:latin typeface="Ariston" panose="02020500000000000000" pitchFamily="18" charset="0"/>
-                <a:ea typeface="Ariston" panose="02020500000000000000" pitchFamily="18" charset="0"/>
-                <a:cs typeface="Ariston" panose="02020500000000000000" pitchFamily="18" charset="0"/>
-              </a:rPr>
-              <a:t> </a:t>
-            </a:r>
-            <a:r>
-              <a:rPr lang="en-US" sz="4000" dirty="0" err="1">
-                <a:ln w="0"/>
-                <a:gradFill>
-                  <a:gsLst>
-                    <a:gs pos="0">
-                      <a:schemeClr val="accent5">
-                        <a:lumMod val="50000"/>
-                      </a:schemeClr>
-                    </a:gs>
-                    <a:gs pos="50000">
-                      <a:schemeClr val="accent5"/>
-                    </a:gs>
-                    <a:gs pos="100000">
-                      <a:schemeClr val="accent5">
-                        <a:lumMod val="60000"/>
-                        <a:lumOff val="40000"/>
-                      </a:schemeClr>
-                    </a:gs>
-                  </a:gsLst>
-                  <a:lin ang="5400000"/>
-                </a:gradFill>
-                <a:effectLst>
-                  <a:reflection blurRad="6350" stA="53000" endA="300" endPos="35500" dir="5400000" sy="-90000" algn="bl" rotWithShape="0"/>
-                </a:effectLst>
-                <a:latin typeface="Ariston" panose="02020500000000000000" pitchFamily="18" charset="0"/>
-                <a:ea typeface="Ariston" panose="02020500000000000000" pitchFamily="18" charset="0"/>
-                <a:cs typeface="Ariston" panose="02020500000000000000" pitchFamily="18" charset="0"/>
-              </a:rPr>
-              <a:t>các</a:t>
-            </a:r>
-            <a:r>
-              <a:rPr lang="en-US" sz="4000" dirty="0">
-                <a:ln w="0"/>
-                <a:gradFill>
-                  <a:gsLst>
-                    <a:gs pos="0">
-                      <a:schemeClr val="accent5">
-                        <a:lumMod val="50000"/>
-                      </a:schemeClr>
-                    </a:gs>
-                    <a:gs pos="50000">
-                      <a:schemeClr val="accent5"/>
-                    </a:gs>
-                    <a:gs pos="100000">
-                      <a:schemeClr val="accent5">
-                        <a:lumMod val="60000"/>
-                        <a:lumOff val="40000"/>
-                      </a:schemeClr>
-                    </a:gs>
-                  </a:gsLst>
-                  <a:lin ang="5400000"/>
-                </a:gradFill>
-                <a:effectLst>
-                  <a:reflection blurRad="6350" stA="53000" endA="300" endPos="35500" dir="5400000" sy="-90000" algn="bl" rotWithShape="0"/>
-                </a:effectLst>
-                <a:latin typeface="Ariston" panose="02020500000000000000" pitchFamily="18" charset="0"/>
-                <a:ea typeface="Ariston" panose="02020500000000000000" pitchFamily="18" charset="0"/>
-                <a:cs typeface="Ariston" panose="02020500000000000000" pitchFamily="18" charset="0"/>
-              </a:rPr>
-              <a:t> </a:t>
-            </a:r>
-            <a:r>
-              <a:rPr lang="en-US" sz="4000" dirty="0" err="1">
-                <a:ln w="0"/>
-                <a:gradFill>
-                  <a:gsLst>
-                    <a:gs pos="0">
-                      <a:schemeClr val="accent5">
-                        <a:lumMod val="50000"/>
-                      </a:schemeClr>
-                    </a:gs>
-                    <a:gs pos="50000">
-                      <a:schemeClr val="accent5"/>
-                    </a:gs>
-                    <a:gs pos="100000">
-                      <a:schemeClr val="accent5">
-                        <a:lumMod val="60000"/>
-                        <a:lumOff val="40000"/>
-                      </a:schemeClr>
-                    </a:gs>
-                  </a:gsLst>
-                  <a:lin ang="5400000"/>
-                </a:gradFill>
-                <a:effectLst>
-                  <a:reflection blurRad="6350" stA="53000" endA="300" endPos="35500" dir="5400000" sy="-90000" algn="bl" rotWithShape="0"/>
-                </a:effectLst>
-                <a:latin typeface="Ariston" panose="02020500000000000000" pitchFamily="18" charset="0"/>
-                <a:ea typeface="Ariston" panose="02020500000000000000" pitchFamily="18" charset="0"/>
-                <a:cs typeface="Ariston" panose="02020500000000000000" pitchFamily="18" charset="0"/>
-              </a:rPr>
-              <a:t>bạn</a:t>
-            </a:r>
-            <a:r>
-              <a:rPr lang="en-US" sz="4000" dirty="0">
-                <a:ln w="0"/>
-                <a:gradFill>
-                  <a:gsLst>
-                    <a:gs pos="0">
-                      <a:schemeClr val="accent5">
-                        <a:lumMod val="50000"/>
-                      </a:schemeClr>
-                    </a:gs>
-                    <a:gs pos="50000">
-                      <a:schemeClr val="accent5"/>
-                    </a:gs>
-                    <a:gs pos="100000">
-                      <a:schemeClr val="accent5">
-                        <a:lumMod val="60000"/>
-                        <a:lumOff val="40000"/>
-                      </a:schemeClr>
-                    </a:gs>
-                  </a:gsLst>
-                  <a:lin ang="5400000"/>
-                </a:gradFill>
-                <a:effectLst>
-                  <a:reflection blurRad="6350" stA="53000" endA="300" endPos="35500" dir="5400000" sy="-90000" algn="bl" rotWithShape="0"/>
-                </a:effectLst>
-                <a:latin typeface="Ariston" panose="02020500000000000000" pitchFamily="18" charset="0"/>
-                <a:ea typeface="Ariston" panose="02020500000000000000" pitchFamily="18" charset="0"/>
-                <a:cs typeface="Ariston" panose="02020500000000000000" pitchFamily="18" charset="0"/>
-              </a:rPr>
-              <a:t> </a:t>
-            </a:r>
-            <a:r>
-              <a:rPr lang="vi-VN" sz="4000" dirty="0">
-                <a:ln w="0"/>
-                <a:gradFill>
-                  <a:gsLst>
-                    <a:gs pos="0">
-                      <a:schemeClr val="accent5">
-                        <a:lumMod val="50000"/>
-                      </a:schemeClr>
-                    </a:gs>
-                    <a:gs pos="50000">
-                      <a:schemeClr val="accent5"/>
-                    </a:gs>
-                    <a:gs pos="100000">
-                      <a:schemeClr val="accent5">
-                        <a:lumMod val="60000"/>
-                        <a:lumOff val="40000"/>
-                      </a:schemeClr>
-                    </a:gs>
-                  </a:gsLst>
-                  <a:lin ang="5400000"/>
-                </a:gradFill>
-                <a:effectLst>
-                  <a:reflection blurRad="6350" stA="53000" endA="300" endPos="35500" dir="5400000" sy="-90000" algn="bl" rotWithShape="0"/>
-                </a:effectLst>
-                <a:latin typeface="Ariston" panose="02020500000000000000" pitchFamily="18" charset="0"/>
-                <a:ea typeface="Ariston" panose="02020500000000000000" pitchFamily="18" charset="0"/>
-                <a:cs typeface="Ariston" panose="02020500000000000000" pitchFamily="18" charset="0"/>
-              </a:rPr>
-              <a:t>đã lắng </a:t>
-            </a:r>
-            <a:r>
-              <a:rPr lang="vi-VN" sz="4000" dirty="0" smtClean="0">
-                <a:ln w="0"/>
-                <a:gradFill>
-                  <a:gsLst>
-                    <a:gs pos="0">
-                      <a:schemeClr val="accent5">
-                        <a:lumMod val="50000"/>
-                      </a:schemeClr>
-                    </a:gs>
-                    <a:gs pos="50000">
-                      <a:schemeClr val="accent5"/>
-                    </a:gs>
-                    <a:gs pos="100000">
-                      <a:schemeClr val="accent5">
-                        <a:lumMod val="60000"/>
-                        <a:lumOff val="40000"/>
-                      </a:schemeClr>
-                    </a:gs>
-                  </a:gsLst>
-                  <a:lin ang="5400000"/>
-                </a:gradFill>
-                <a:effectLst>
-                  <a:reflection blurRad="6350" stA="53000" endA="300" endPos="35500" dir="5400000" sy="-90000" algn="bl" rotWithShape="0"/>
-                </a:effectLst>
-                <a:latin typeface="Ariston" panose="02020500000000000000" pitchFamily="18" charset="0"/>
-                <a:ea typeface="Ariston" panose="02020500000000000000" pitchFamily="18" charset="0"/>
-                <a:cs typeface="Ariston" panose="02020500000000000000" pitchFamily="18" charset="0"/>
-              </a:rPr>
-              <a:t>nghe</a:t>
-            </a:r>
-            <a:r>
-              <a:rPr lang="en-US" sz="4000" dirty="0" smtClean="0">
-                <a:ln w="0"/>
-                <a:gradFill>
-                  <a:gsLst>
-                    <a:gs pos="0">
-                      <a:schemeClr val="accent5">
-                        <a:lumMod val="50000"/>
-                      </a:schemeClr>
-                    </a:gs>
-                    <a:gs pos="50000">
-                      <a:schemeClr val="accent5"/>
-                    </a:gs>
-                    <a:gs pos="100000">
-                      <a:schemeClr val="accent5">
-                        <a:lumMod val="60000"/>
-                        <a:lumOff val="40000"/>
-                      </a:schemeClr>
-                    </a:gs>
-                  </a:gsLst>
-                  <a:lin ang="5400000"/>
-                </a:gradFill>
-                <a:effectLst>
-                  <a:reflection blurRad="6350" stA="53000" endA="300" endPos="35500" dir="5400000" sy="-90000" algn="bl" rotWithShape="0"/>
-                </a:effectLst>
-                <a:latin typeface="Ariston" panose="02020500000000000000" pitchFamily="18" charset="0"/>
-                <a:ea typeface="Ariston" panose="02020500000000000000" pitchFamily="18" charset="0"/>
-                <a:cs typeface="Ariston" panose="02020500000000000000" pitchFamily="18" charset="0"/>
-              </a:rPr>
-              <a:t>!</a:t>
-            </a:r>
-            <a:endParaRPr lang="en-US" sz="4000" dirty="0">
-              <a:ln w="0"/>
-              <a:gradFill>
-                <a:gsLst>
-                  <a:gs pos="0">
-                    <a:schemeClr val="accent5">
-                      <a:lumMod val="50000"/>
-                    </a:schemeClr>
-                  </a:gs>
-                  <a:gs pos="50000">
-                    <a:schemeClr val="accent5"/>
-                  </a:gs>
-                  <a:gs pos="100000">
-                    <a:schemeClr val="accent5">
-                      <a:lumMod val="60000"/>
-                      <a:lumOff val="40000"/>
-                    </a:schemeClr>
-                  </a:gs>
-                </a:gsLst>
-                <a:lin ang="5400000"/>
-              </a:gradFill>
-              <a:effectLst>
-                <a:reflection blurRad="6350" stA="53000" endA="300" endPos="35500" dir="5400000" sy="-90000" algn="bl" rotWithShape="0"/>
-              </a:effectLst>
-              <a:latin typeface="Ariston" panose="02020500000000000000" pitchFamily="18" charset="0"/>
-              <a:ea typeface="Ariston" panose="02020500000000000000" pitchFamily="18" charset="0"/>
-              <a:cs typeface="Ariston" panose="02020500000000000000" pitchFamily="18" charset="0"/>
-            </a:endParaRPr>
-          </a:p>
-        </p:txBody>
-      </p:sp>
-    </p:spTree>
-    <p:extLst>
-      <p:ext uri="{BB962C8B-B14F-4D97-AF65-F5344CB8AC3E}">
-        <p14:creationId xmlns:p14="http://schemas.microsoft.com/office/powerpoint/2010/main" val="1957705873"/>
-      </p:ext>
-    </p:extLst>
-  </p:cSld>
-  <p:clrMapOvr>
-    <a:overrideClrMapping bg1="lt1" tx1="dk1" bg2="lt2" tx2="dk2" accent1="accent1" accent2="accent2" accent3="accent3" accent4="accent4" accent5="accent5" accent6="accent6" hlink="hlink" folHlink="folHlink"/>
-  </p:clrMapOvr>
-  <p:timing>
-    <p:tnLst>
-      <p:par>
-        <p:cTn id="1" dur="indefinite" restart="never" nodeType="tmRoot"/>
-      </p:par>
-    </p:tnLst>
-  </p:timing>
-</p:sld>
-</file>
-
-<file path=ppt/slides/slide36.xml><?xml version="1.0" encoding="utf-8"?>
-<p:sld xmlns:a="http://schemas.openxmlformats.org/drawingml/2006/main" xmlns:r="http://schemas.openxmlformats.org/officeDocument/2006/relationships" xmlns:p="http://schemas.openxmlformats.org/presentationml/2006/main">
-  <p:cSld>
-    <p:spTree>
-      <p:nvGrpSpPr>
-        <p:cNvPr id="1" name=""/>
-        <p:cNvGrpSpPr/>
-        <p:nvPr/>
-      </p:nvGrpSpPr>
-      <p:grpSpPr>
-        <a:xfrm>
-          <a:off x="0" y="0"/>
-          <a:ext cx="0" cy="0"/>
-          <a:chOff x="0" y="0"/>
-          <a:chExt cx="0" cy="0"/>
-        </a:xfrm>
-      </p:grpSpPr>
-      <p:sp>
-        <p:nvSpPr>
-          <p:cNvPr id="2" name="Slide Number Placeholder 1"/>
-          <p:cNvSpPr>
-            <a:spLocks noGrp="1"/>
-          </p:cNvSpPr>
-          <p:nvPr>
-            <p:ph type="sldNum" sz="quarter" idx="12"/>
-          </p:nvPr>
-        </p:nvSpPr>
-        <p:spPr/>
-        <p:txBody>
-          <a:bodyPr/>
-          <a:lstStyle/>
-          <a:p>
-            <a:fld id="{9DFD9A34-EC64-4F0B-9C9B-2C0A202A050B}" type="slidenum">
-              <a:rPr lang="en-US" smtClean="0"/>
-              <a:pPr/>
-              <a:t>36</a:t>
-            </a:fld>
-            <a:endParaRPr lang="en-US" dirty="0"/>
-          </a:p>
-        </p:txBody>
-      </p:sp>
-      <p:sp>
-        <p:nvSpPr>
-          <p:cNvPr id="3" name="Content Placeholder 2"/>
-          <p:cNvSpPr>
-            <a:spLocks noGrp="1"/>
-          </p:cNvSpPr>
-          <p:nvPr>
-            <p:ph sz="quarter" idx="14"/>
-          </p:nvPr>
-        </p:nvSpPr>
-        <p:spPr>
-          <a:xfrm>
-            <a:off x="585097" y="990600"/>
-            <a:ext cx="7874115" cy="5867400"/>
-          </a:xfrm>
-        </p:spPr>
-        <p:txBody>
-          <a:bodyPr>
-            <a:normAutofit fontScale="92500" lnSpcReduction="20000"/>
-          </a:bodyPr>
-          <a:lstStyle/>
-          <a:p>
-            <a:r>
-              <a:rPr lang="en-US" dirty="0"/>
-              <a:t>Tiếng Việt</a:t>
-            </a:r>
-          </a:p>
-          <a:p>
-            <a:pPr marL="457200" lvl="0" indent="-457200">
-              <a:buFont typeface="+mj-lt"/>
-              <a:buAutoNum type="arabicPeriod"/>
-            </a:pPr>
-            <a:r>
-              <a:rPr lang="en-US" b="0" dirty="0"/>
-              <a:t>Nguyễn Trọng Dũng, </a:t>
-            </a:r>
-            <a:r>
-              <a:rPr lang="en-US" b="0" i="1" dirty="0"/>
-              <a:t>Giáo trình Java – Chương 3:</a:t>
-            </a:r>
-            <a:r>
-              <a:rPr lang="en-US" b="0" dirty="0"/>
-              <a:t> </a:t>
-            </a:r>
-            <a:r>
-              <a:rPr lang="en-US" b="0" i="1" dirty="0"/>
-              <a:t>Phát triển Web Services với các công nghệ chuẩn của java</a:t>
-            </a:r>
-            <a:r>
-              <a:rPr lang="en-US" b="0" dirty="0"/>
-              <a:t> , Trường ĐHSP Hà Nội.</a:t>
-            </a:r>
-          </a:p>
-          <a:p>
-            <a:pPr marL="457200" indent="-457200">
-              <a:buFont typeface="+mj-lt"/>
-              <a:buAutoNum type="arabicPeriod"/>
-            </a:pPr>
-            <a:r>
-              <a:rPr lang="en-US" b="0" dirty="0"/>
-              <a:t>Hồ Bảo Thanh, Nguyễn Hoàng Long (2005), </a:t>
-            </a:r>
-            <a:r>
-              <a:rPr lang="en-US" b="0" i="1" dirty="0"/>
-              <a:t>Nghiên cứu kiến trúc hướng dịch vụ (Service-Oriented Architecture) và ứng dụng, </a:t>
-            </a:r>
-            <a:r>
-              <a:rPr lang="en-US" b="0" dirty="0"/>
-              <a:t>Luận văn cử nhân tin học khoa CNTT – ĐH KHTN Tp.HCM.</a:t>
-            </a:r>
-            <a:endParaRPr lang="en-US" b="0" dirty="0" smtClean="0"/>
-          </a:p>
-          <a:p>
-            <a:r>
-              <a:rPr lang="en-US" dirty="0" smtClean="0"/>
-              <a:t>Tiếng Anh</a:t>
-            </a:r>
-          </a:p>
-          <a:p>
-            <a:pPr marL="457200" lvl="0" indent="-457200">
-              <a:buFont typeface="+mj-lt"/>
-              <a:buAutoNum type="arabicPeriod" startAt="3"/>
-            </a:pPr>
-            <a:r>
-              <a:rPr lang="en-US" b="0" dirty="0"/>
-              <a:t>Abdaldhem Albreshne, Patrik Fuhrer, Jacque Pasquier Spasquier (2009), </a:t>
-            </a:r>
-            <a:r>
-              <a:rPr lang="en-US" b="0" i="1" dirty="0"/>
-              <a:t>Web Services Technologie: State of the Art,</a:t>
-            </a:r>
-            <a:r>
-              <a:rPr lang="en-US" sz="3200" b="0" dirty="0"/>
-              <a:t> </a:t>
-            </a:r>
-            <a:r>
-              <a:rPr lang="en-US" b="0" dirty="0"/>
-              <a:t>Definitions, Standards, Case Study, pp. 1-22.</a:t>
-            </a:r>
-          </a:p>
-          <a:p>
-            <a:pPr marL="457200" lvl="0" indent="-457200">
-              <a:buFont typeface="+mj-lt"/>
-              <a:buAutoNum type="arabicPeriod" startAt="3"/>
-            </a:pPr>
-            <a:r>
-              <a:rPr lang="en-US" b="0" dirty="0"/>
-              <a:t>Azad Bolour (2003), “Notes on the Eclipse Plug-in Architecture”</a:t>
-            </a:r>
-            <a:r>
-              <a:rPr lang="en-US" b="0" i="1" dirty="0"/>
-              <a:t>, </a:t>
-            </a:r>
-            <a:r>
-              <a:rPr lang="en-US" b="0" dirty="0"/>
-              <a:t>Bolour Computing, </a:t>
-            </a:r>
-            <a:r>
-              <a:rPr lang="en-US" b="0" dirty="0">
-                <a:hlinkClick r:id="rId2"/>
-              </a:rPr>
-              <a:t>http://www.eclipse.org/articles/Article-Plug-in-architecture/plugin_architecture.html</a:t>
-            </a:r>
-            <a:r>
-              <a:rPr lang="en-US" b="0" dirty="0"/>
-              <a:t>, (Ngày truy cập 4/4/2016).</a:t>
-            </a:r>
-          </a:p>
-          <a:p>
-            <a:pPr marL="622300" lvl="1" indent="-330200">
-              <a:buFont typeface="+mj-lt"/>
-              <a:buAutoNum type="arabicPeriod" startAt="3"/>
-            </a:pPr>
-            <a:endParaRPr lang="en-US" dirty="0"/>
-          </a:p>
-          <a:p>
-            <a:pPr marL="622300" lvl="1" indent="-330200">
-              <a:buFont typeface="+mj-lt"/>
-              <a:buAutoNum type="arabicPeriod" startAt="3"/>
-            </a:pPr>
-            <a:endParaRPr lang="en-US" dirty="0"/>
-          </a:p>
-          <a:p>
-            <a:endParaRPr lang="en-US" dirty="0"/>
-          </a:p>
-          <a:p>
-            <a:pPr lvl="2">
-              <a:lnSpc>
-                <a:spcPct val="100000"/>
-              </a:lnSpc>
-            </a:pPr>
-            <a:endParaRPr lang="en-US" dirty="0"/>
-          </a:p>
-          <a:p>
-            <a:pPr lvl="2">
-              <a:lnSpc>
-                <a:spcPct val="100000"/>
-              </a:lnSpc>
-            </a:pPr>
-            <a:endParaRPr lang="en-US" dirty="0"/>
-          </a:p>
-          <a:p>
-            <a:pPr lvl="2">
-              <a:lnSpc>
-                <a:spcPct val="200000"/>
-              </a:lnSpc>
-            </a:pPr>
-            <a:endParaRPr lang="en-US" sz="2800" dirty="0"/>
-          </a:p>
-          <a:p>
-            <a:endParaRPr lang="en-US" dirty="0"/>
-          </a:p>
-        </p:txBody>
-      </p:sp>
-      <p:sp>
-        <p:nvSpPr>
-          <p:cNvPr id="4" name="Title 3"/>
-          <p:cNvSpPr>
-            <a:spLocks noGrp="1"/>
-          </p:cNvSpPr>
-          <p:nvPr>
-            <p:ph type="title"/>
-          </p:nvPr>
-        </p:nvSpPr>
-        <p:spPr/>
-        <p:txBody>
-          <a:bodyPr>
-            <a:normAutofit/>
-          </a:bodyPr>
-          <a:lstStyle/>
-          <a:p>
-            <a:r>
-              <a:rPr lang="en-US" dirty="0" smtClean="0"/>
-              <a:t>Tài liệu tham khảo</a:t>
-            </a:r>
-            <a:endParaRPr lang="en-US" dirty="0"/>
-          </a:p>
-        </p:txBody>
-      </p:sp>
-    </p:spTree>
-    <p:extLst>
-      <p:ext uri="{BB962C8B-B14F-4D97-AF65-F5344CB8AC3E}">
-        <p14:creationId xmlns:p14="http://schemas.microsoft.com/office/powerpoint/2010/main" val="3044689421"/>
-      </p:ext>
-    </p:extLst>
-  </p:cSld>
-  <p:clrMapOvr>
-    <a:masterClrMapping/>
-  </p:clrMapOvr>
-  <p:timing>
-    <p:tnLst>
-      <p:par>
-        <p:cTn id="1" dur="indefinite" restart="never" nodeType="tmRoot"/>
-      </p:par>
-    </p:tnLst>
-  </p:timing>
-</p:sld>
-</file>
-
-<file path=ppt/slides/slide37.xml><?xml version="1.0" encoding="utf-8"?>
-<p:sld xmlns:a="http://schemas.openxmlformats.org/drawingml/2006/main" xmlns:r="http://schemas.openxmlformats.org/officeDocument/2006/relationships" xmlns:p="http://schemas.openxmlformats.org/presentationml/2006/main">
-  <p:cSld>
-    <p:spTree>
-      <p:nvGrpSpPr>
-        <p:cNvPr id="1" name=""/>
-        <p:cNvGrpSpPr/>
-        <p:nvPr/>
-      </p:nvGrpSpPr>
-      <p:grpSpPr>
-        <a:xfrm>
-          <a:off x="0" y="0"/>
-          <a:ext cx="0" cy="0"/>
-          <a:chOff x="0" y="0"/>
-          <a:chExt cx="0" cy="0"/>
-        </a:xfrm>
-      </p:grpSpPr>
-      <p:sp>
-        <p:nvSpPr>
-          <p:cNvPr id="2" name="Slide Number Placeholder 1"/>
-          <p:cNvSpPr>
-            <a:spLocks noGrp="1"/>
-          </p:cNvSpPr>
-          <p:nvPr>
-            <p:ph type="sldNum" sz="quarter" idx="12"/>
-          </p:nvPr>
-        </p:nvSpPr>
-        <p:spPr/>
-        <p:txBody>
-          <a:bodyPr/>
-          <a:lstStyle/>
-          <a:p>
-            <a:fld id="{9DFD9A34-EC64-4F0B-9C9B-2C0A202A050B}" type="slidenum">
-              <a:rPr lang="en-US" smtClean="0"/>
-              <a:pPr/>
-              <a:t>37</a:t>
-            </a:fld>
-            <a:endParaRPr lang="en-US" dirty="0"/>
-          </a:p>
-        </p:txBody>
-      </p:sp>
-      <p:sp>
-        <p:nvSpPr>
-          <p:cNvPr id="3" name="Content Placeholder 2"/>
-          <p:cNvSpPr>
-            <a:spLocks noGrp="1"/>
-          </p:cNvSpPr>
-          <p:nvPr>
-            <p:ph sz="quarter" idx="14"/>
-          </p:nvPr>
-        </p:nvSpPr>
-        <p:spPr>
-          <a:xfrm>
-            <a:off x="585097" y="990600"/>
-            <a:ext cx="7874115" cy="5867400"/>
-          </a:xfrm>
-        </p:spPr>
-        <p:txBody>
-          <a:bodyPr>
             <a:normAutofit fontScale="85000" lnSpcReduction="20000"/>
           </a:bodyPr>
           <a:lstStyle/>
@@ -20063,7 +19558,7 @@
 </p:sld>
 </file>
 
-<file path=ppt/slides/slide38.xml><?xml version="1.0" encoding="utf-8"?>
+<file path=ppt/slides/slide35.xml><?xml version="1.0" encoding="utf-8"?>
 <p:sld xmlns:a="http://schemas.openxmlformats.org/drawingml/2006/main" xmlns:r="http://schemas.openxmlformats.org/officeDocument/2006/relationships" xmlns:p="http://schemas.openxmlformats.org/presentationml/2006/main">
   <p:cSld>
     <p:spTree>
@@ -20098,7 +19593,7 @@
             <a:fld id="{9DFD9A34-EC64-4F0B-9C9B-2C0A202A050B}" type="slidenum">
               <a:rPr lang="en-US" smtClean="0"/>
               <a:pPr/>
-              <a:t>38</a:t>
+              <a:t>35</a:t>
             </a:fld>
             <a:endParaRPr lang="en-US" dirty="0"/>
           </a:p>
